--- a/flow-chart.pptx
+++ b/flow-chart.pptx
@@ -2,18 +2,18 @@
 <file path=ppt/presentation.xml><?xml version="1.0" encoding="utf-8"?>
 <p:presentation xmlns:a="http://schemas.openxmlformats.org/drawingml/2006/main" xmlns:r="http://schemas.openxmlformats.org/officeDocument/2006/relationships" xmlns:p="http://schemas.openxmlformats.org/presentationml/2006/main" saveSubsetFonts="1">
   <p:sldMasterIdLst>
-    <p:sldMasterId id="2147483648" r:id="rId1"/>
+    <p:sldMasterId id="2147483672" r:id="rId1"/>
   </p:sldMasterIdLst>
   <p:sldIdLst>
     <p:sldId id="256" r:id="rId2"/>
   </p:sldIdLst>
-  <p:sldSz cx="12192000" cy="6858000"/>
+  <p:sldSz cx="9906000" cy="6858000" type="A4"/>
   <p:notesSz cx="6858000" cy="9144000"/>
   <p:defaultTextStyle>
     <a:defPPr>
       <a:defRPr lang="en-US"/>
     </a:defPPr>
-    <a:lvl1pPr marL="0" algn="l" defTabSz="914400" rtl="0" eaLnBrk="1" latinLnBrk="0" hangingPunct="1">
+    <a:lvl1pPr marL="0" algn="l" defTabSz="457200" rtl="0" eaLnBrk="1" latinLnBrk="0" hangingPunct="1">
       <a:defRPr sz="1800" kern="1200">
         <a:solidFill>
           <a:schemeClr val="tx1"/>
@@ -23,7 +23,7 @@
         <a:cs typeface="+mn-cs"/>
       </a:defRPr>
     </a:lvl1pPr>
-    <a:lvl2pPr marL="457200" algn="l" defTabSz="914400" rtl="0" eaLnBrk="1" latinLnBrk="0" hangingPunct="1">
+    <a:lvl2pPr marL="457200" algn="l" defTabSz="457200" rtl="0" eaLnBrk="1" latinLnBrk="0" hangingPunct="1">
       <a:defRPr sz="1800" kern="1200">
         <a:solidFill>
           <a:schemeClr val="tx1"/>
@@ -33,7 +33,7 @@
         <a:cs typeface="+mn-cs"/>
       </a:defRPr>
     </a:lvl2pPr>
-    <a:lvl3pPr marL="914400" algn="l" defTabSz="914400" rtl="0" eaLnBrk="1" latinLnBrk="0" hangingPunct="1">
+    <a:lvl3pPr marL="914400" algn="l" defTabSz="457200" rtl="0" eaLnBrk="1" latinLnBrk="0" hangingPunct="1">
       <a:defRPr sz="1800" kern="1200">
         <a:solidFill>
           <a:schemeClr val="tx1"/>
@@ -43,7 +43,7 @@
         <a:cs typeface="+mn-cs"/>
       </a:defRPr>
     </a:lvl3pPr>
-    <a:lvl4pPr marL="1371600" algn="l" defTabSz="914400" rtl="0" eaLnBrk="1" latinLnBrk="0" hangingPunct="1">
+    <a:lvl4pPr marL="1371600" algn="l" defTabSz="457200" rtl="0" eaLnBrk="1" latinLnBrk="0" hangingPunct="1">
       <a:defRPr sz="1800" kern="1200">
         <a:solidFill>
           <a:schemeClr val="tx1"/>
@@ -53,7 +53,7 @@
         <a:cs typeface="+mn-cs"/>
       </a:defRPr>
     </a:lvl4pPr>
-    <a:lvl5pPr marL="1828800" algn="l" defTabSz="914400" rtl="0" eaLnBrk="1" latinLnBrk="0" hangingPunct="1">
+    <a:lvl5pPr marL="1828800" algn="l" defTabSz="457200" rtl="0" eaLnBrk="1" latinLnBrk="0" hangingPunct="1">
       <a:defRPr sz="1800" kern="1200">
         <a:solidFill>
           <a:schemeClr val="tx1"/>
@@ -63,7 +63,7 @@
         <a:cs typeface="+mn-cs"/>
       </a:defRPr>
     </a:lvl5pPr>
-    <a:lvl6pPr marL="2286000" algn="l" defTabSz="914400" rtl="0" eaLnBrk="1" latinLnBrk="0" hangingPunct="1">
+    <a:lvl6pPr marL="2286000" algn="l" defTabSz="457200" rtl="0" eaLnBrk="1" latinLnBrk="0" hangingPunct="1">
       <a:defRPr sz="1800" kern="1200">
         <a:solidFill>
           <a:schemeClr val="tx1"/>
@@ -73,7 +73,7 @@
         <a:cs typeface="+mn-cs"/>
       </a:defRPr>
     </a:lvl6pPr>
-    <a:lvl7pPr marL="2743200" algn="l" defTabSz="914400" rtl="0" eaLnBrk="1" latinLnBrk="0" hangingPunct="1">
+    <a:lvl7pPr marL="2743200" algn="l" defTabSz="457200" rtl="0" eaLnBrk="1" latinLnBrk="0" hangingPunct="1">
       <a:defRPr sz="1800" kern="1200">
         <a:solidFill>
           <a:schemeClr val="tx1"/>
@@ -83,7 +83,7 @@
         <a:cs typeface="+mn-cs"/>
       </a:defRPr>
     </a:lvl7pPr>
-    <a:lvl8pPr marL="3200400" algn="l" defTabSz="914400" rtl="0" eaLnBrk="1" latinLnBrk="0" hangingPunct="1">
+    <a:lvl8pPr marL="3200400" algn="l" defTabSz="457200" rtl="0" eaLnBrk="1" latinLnBrk="0" hangingPunct="1">
       <a:defRPr sz="1800" kern="1200">
         <a:solidFill>
           <a:schemeClr val="tx1"/>
@@ -93,7 +93,7 @@
         <a:cs typeface="+mn-cs"/>
       </a:defRPr>
     </a:lvl8pPr>
-    <a:lvl9pPr marL="3657600" algn="l" defTabSz="914400" rtl="0" eaLnBrk="1" latinLnBrk="0" hangingPunct="1">
+    <a:lvl9pPr marL="3657600" algn="l" defTabSz="457200" rtl="0" eaLnBrk="1" latinLnBrk="0" hangingPunct="1">
       <a:defRPr sz="1800" kern="1200">
         <a:solidFill>
           <a:schemeClr val="tx1"/>
@@ -104,6 +104,11 @@
       </a:defRPr>
     </a:lvl9pPr>
   </p:defaultTextStyle>
+  <p:extLst>
+    <p:ext uri="{EFAFB233-063F-42B5-8137-9DF3F51BA10A}">
+      <p15:sldGuideLst xmlns:p15="http://schemas.microsoft.com/office/powerpoint/2012/main"/>
+    </p:ext>
+  </p:extLst>
 </p:presentation>
 </file>
 
@@ -126,13 +131,7 @@
       </p:grpSpPr>
       <p:sp>
         <p:nvSpPr>
-          <p:cNvPr id="2" name="Title 1">
-            <a:extLst>
-              <a:ext uri="{FF2B5EF4-FFF2-40B4-BE49-F238E27FC236}">
-                <a16:creationId xmlns:a16="http://schemas.microsoft.com/office/drawing/2014/main" id="{F2B7604F-A754-4D09-A7A2-54010BD18B82}"/>
-              </a:ext>
-            </a:extLst>
-          </p:cNvPr>
+          <p:cNvPr id="2" name="Title 1"/>
           <p:cNvSpPr>
             <a:spLocks noGrp="1"/>
           </p:cNvSpPr>
@@ -142,8 +141,8 @@
         </p:nvSpPr>
         <p:spPr>
           <a:xfrm>
-            <a:off x="1524000" y="1122363"/>
-            <a:ext cx="9144000" cy="2387600"/>
+            <a:off x="742950" y="1122363"/>
+            <a:ext cx="8420100" cy="2387600"/>
           </a:xfrm>
         </p:spPr>
         <p:txBody>
@@ -158,19 +157,13 @@
               <a:rPr lang="en-US"/>
               <a:t>Click to edit Master title style</a:t>
             </a:r>
-            <a:endParaRPr lang="en-IN"/>
-          </a:p>
-        </p:txBody>
-      </p:sp>
-      <p:sp>
-        <p:nvSpPr>
-          <p:cNvPr id="3" name="Subtitle 2">
-            <a:extLst>
-              <a:ext uri="{FF2B5EF4-FFF2-40B4-BE49-F238E27FC236}">
-                <a16:creationId xmlns:a16="http://schemas.microsoft.com/office/drawing/2014/main" id="{49D56FE0-6186-422E-87C5-2A452C83589E}"/>
-              </a:ext>
-            </a:extLst>
-          </p:cNvPr>
+            <a:endParaRPr lang="en-US" dirty="0"/>
+          </a:p>
+        </p:txBody>
+      </p:sp>
+      <p:sp>
+        <p:nvSpPr>
+          <p:cNvPr id="3" name="Subtitle 2"/>
           <p:cNvSpPr>
             <a:spLocks noGrp="1"/>
           </p:cNvSpPr>
@@ -180,8 +173,8 @@
         </p:nvSpPr>
         <p:spPr>
           <a:xfrm>
-            <a:off x="1524000" y="3602038"/>
-            <a:ext cx="9144000" cy="1655762"/>
+            <a:off x="1238250" y="3602038"/>
+            <a:ext cx="7429500" cy="1655762"/>
           </a:xfrm>
         </p:spPr>
         <p:txBody>
@@ -229,19 +222,13 @@
               <a:rPr lang="en-US"/>
               <a:t>Click to edit Master subtitle style</a:t>
             </a:r>
-            <a:endParaRPr lang="en-IN"/>
-          </a:p>
-        </p:txBody>
-      </p:sp>
-      <p:sp>
-        <p:nvSpPr>
-          <p:cNvPr id="4" name="Date Placeholder 3">
-            <a:extLst>
-              <a:ext uri="{FF2B5EF4-FFF2-40B4-BE49-F238E27FC236}">
-                <a16:creationId xmlns:a16="http://schemas.microsoft.com/office/drawing/2014/main" id="{AFAF7513-7557-4088-9F0F-D992675171D0}"/>
-              </a:ext>
-            </a:extLst>
-          </p:cNvPr>
+            <a:endParaRPr lang="en-US" dirty="0"/>
+          </a:p>
+        </p:txBody>
+      </p:sp>
+      <p:sp>
+        <p:nvSpPr>
+          <p:cNvPr id="4" name="Date Placeholder 3"/>
           <p:cNvSpPr>
             <a:spLocks noGrp="1"/>
           </p:cNvSpPr>
@@ -256,7 +243,7 @@
           <a:p>
             <a:fld id="{5E867397-7C0A-45C7-8969-E76EFE3E04AC}" type="datetimeFigureOut">
               <a:rPr lang="en-IN" smtClean="0"/>
-              <a:t>21-03-2022</a:t>
+              <a:t>25-03-2022</a:t>
             </a:fld>
             <a:endParaRPr lang="en-IN"/>
           </a:p>
@@ -264,13 +251,7 @@
       </p:sp>
       <p:sp>
         <p:nvSpPr>
-          <p:cNvPr id="5" name="Footer Placeholder 4">
-            <a:extLst>
-              <a:ext uri="{FF2B5EF4-FFF2-40B4-BE49-F238E27FC236}">
-                <a16:creationId xmlns:a16="http://schemas.microsoft.com/office/drawing/2014/main" id="{AFDB1E96-0AC1-4F16-B299-299AED6787D7}"/>
-              </a:ext>
-            </a:extLst>
-          </p:cNvPr>
+          <p:cNvPr id="5" name="Footer Placeholder 4"/>
           <p:cNvSpPr>
             <a:spLocks noGrp="1"/>
           </p:cNvSpPr>
@@ -289,13 +270,7 @@
       </p:sp>
       <p:sp>
         <p:nvSpPr>
-          <p:cNvPr id="6" name="Slide Number Placeholder 5">
-            <a:extLst>
-              <a:ext uri="{FF2B5EF4-FFF2-40B4-BE49-F238E27FC236}">
-                <a16:creationId xmlns:a16="http://schemas.microsoft.com/office/drawing/2014/main" id="{E47C268B-05D7-4363-AF4D-E955E1D1009D}"/>
-              </a:ext>
-            </a:extLst>
-          </p:cNvPr>
+          <p:cNvPr id="6" name="Slide Number Placeholder 5"/>
           <p:cNvSpPr>
             <a:spLocks noGrp="1"/>
           </p:cNvSpPr>
@@ -319,7 +294,7 @@
     </p:spTree>
     <p:extLst>
       <p:ext uri="{BB962C8B-B14F-4D97-AF65-F5344CB8AC3E}">
-        <p14:creationId xmlns:p14="http://schemas.microsoft.com/office/powerpoint/2010/main" val="1216495665"/>
+        <p14:creationId xmlns:p14="http://schemas.microsoft.com/office/powerpoint/2010/main" val="2420253644"/>
       </p:ext>
     </p:extLst>
   </p:cSld>
@@ -348,13 +323,7 @@
       </p:grpSpPr>
       <p:sp>
         <p:nvSpPr>
-          <p:cNvPr id="2" name="Title 1">
-            <a:extLst>
-              <a:ext uri="{FF2B5EF4-FFF2-40B4-BE49-F238E27FC236}">
-                <a16:creationId xmlns:a16="http://schemas.microsoft.com/office/drawing/2014/main" id="{E137CD01-E144-46F9-B9B4-9F9B6CCBA7F1}"/>
-              </a:ext>
-            </a:extLst>
-          </p:cNvPr>
+          <p:cNvPr id="2" name="Title 1"/>
           <p:cNvSpPr>
             <a:spLocks noGrp="1"/>
           </p:cNvSpPr>
@@ -371,19 +340,13 @@
               <a:rPr lang="en-US"/>
               <a:t>Click to edit Master title style</a:t>
             </a:r>
-            <a:endParaRPr lang="en-IN"/>
-          </a:p>
-        </p:txBody>
-      </p:sp>
-      <p:sp>
-        <p:nvSpPr>
-          <p:cNvPr id="3" name="Vertical Text Placeholder 2">
-            <a:extLst>
-              <a:ext uri="{FF2B5EF4-FFF2-40B4-BE49-F238E27FC236}">
-                <a16:creationId xmlns:a16="http://schemas.microsoft.com/office/drawing/2014/main" id="{C64F2051-F5DC-45BA-9BA7-395ACF550E50}"/>
-              </a:ext>
-            </a:extLst>
-          </p:cNvPr>
+            <a:endParaRPr lang="en-US" dirty="0"/>
+          </a:p>
+        </p:txBody>
+      </p:sp>
+      <p:sp>
+        <p:nvSpPr>
+          <p:cNvPr id="3" name="Vertical Text Placeholder 2"/>
           <p:cNvSpPr>
             <a:spLocks noGrp="1"/>
           </p:cNvSpPr>
@@ -429,19 +392,13 @@
               <a:rPr lang="en-US"/>
               <a:t>Fifth level</a:t>
             </a:r>
-            <a:endParaRPr lang="en-IN"/>
-          </a:p>
-        </p:txBody>
-      </p:sp>
-      <p:sp>
-        <p:nvSpPr>
-          <p:cNvPr id="4" name="Date Placeholder 3">
-            <a:extLst>
-              <a:ext uri="{FF2B5EF4-FFF2-40B4-BE49-F238E27FC236}">
-                <a16:creationId xmlns:a16="http://schemas.microsoft.com/office/drawing/2014/main" id="{F36B08AE-B641-4172-910B-C2D634336EFD}"/>
-              </a:ext>
-            </a:extLst>
-          </p:cNvPr>
+            <a:endParaRPr lang="en-US" dirty="0"/>
+          </a:p>
+        </p:txBody>
+      </p:sp>
+      <p:sp>
+        <p:nvSpPr>
+          <p:cNvPr id="4" name="Date Placeholder 3"/>
           <p:cNvSpPr>
             <a:spLocks noGrp="1"/>
           </p:cNvSpPr>
@@ -456,7 +413,7 @@
           <a:p>
             <a:fld id="{5E867397-7C0A-45C7-8969-E76EFE3E04AC}" type="datetimeFigureOut">
               <a:rPr lang="en-IN" smtClean="0"/>
-              <a:t>21-03-2022</a:t>
+              <a:t>25-03-2022</a:t>
             </a:fld>
             <a:endParaRPr lang="en-IN"/>
           </a:p>
@@ -464,13 +421,7 @@
       </p:sp>
       <p:sp>
         <p:nvSpPr>
-          <p:cNvPr id="5" name="Footer Placeholder 4">
-            <a:extLst>
-              <a:ext uri="{FF2B5EF4-FFF2-40B4-BE49-F238E27FC236}">
-                <a16:creationId xmlns:a16="http://schemas.microsoft.com/office/drawing/2014/main" id="{3DEA224F-2E43-4E10-925E-8BD28DC44FC3}"/>
-              </a:ext>
-            </a:extLst>
-          </p:cNvPr>
+          <p:cNvPr id="5" name="Footer Placeholder 4"/>
           <p:cNvSpPr>
             <a:spLocks noGrp="1"/>
           </p:cNvSpPr>
@@ -489,13 +440,7 @@
       </p:sp>
       <p:sp>
         <p:nvSpPr>
-          <p:cNvPr id="6" name="Slide Number Placeholder 5">
-            <a:extLst>
-              <a:ext uri="{FF2B5EF4-FFF2-40B4-BE49-F238E27FC236}">
-                <a16:creationId xmlns:a16="http://schemas.microsoft.com/office/drawing/2014/main" id="{CCD73485-7797-415D-BEF1-005186ED4163}"/>
-              </a:ext>
-            </a:extLst>
-          </p:cNvPr>
+          <p:cNvPr id="6" name="Slide Number Placeholder 5"/>
           <p:cNvSpPr>
             <a:spLocks noGrp="1"/>
           </p:cNvSpPr>
@@ -519,7 +464,7 @@
     </p:spTree>
     <p:extLst>
       <p:ext uri="{BB962C8B-B14F-4D97-AF65-F5344CB8AC3E}">
-        <p14:creationId xmlns:p14="http://schemas.microsoft.com/office/powerpoint/2010/main" val="147753697"/>
+        <p14:creationId xmlns:p14="http://schemas.microsoft.com/office/powerpoint/2010/main" val="2910848513"/>
       </p:ext>
     </p:extLst>
   </p:cSld>
@@ -548,13 +493,7 @@
       </p:grpSpPr>
       <p:sp>
         <p:nvSpPr>
-          <p:cNvPr id="2" name="Vertical Title 1">
-            <a:extLst>
-              <a:ext uri="{FF2B5EF4-FFF2-40B4-BE49-F238E27FC236}">
-                <a16:creationId xmlns:a16="http://schemas.microsoft.com/office/drawing/2014/main" id="{426B440E-5290-4CE0-9BC8-FFD75687C28F}"/>
-              </a:ext>
-            </a:extLst>
-          </p:cNvPr>
+          <p:cNvPr id="2" name="Vertical Title 1"/>
           <p:cNvSpPr>
             <a:spLocks noGrp="1"/>
           </p:cNvSpPr>
@@ -564,8 +503,8 @@
         </p:nvSpPr>
         <p:spPr>
           <a:xfrm>
-            <a:off x="8724900" y="365125"/>
-            <a:ext cx="2628900" cy="5811838"/>
+            <a:off x="7088982" y="365125"/>
+            <a:ext cx="2135981" cy="5811838"/>
           </a:xfrm>
         </p:spPr>
         <p:txBody>
@@ -576,19 +515,13 @@
               <a:rPr lang="en-US"/>
               <a:t>Click to edit Master title style</a:t>
             </a:r>
-            <a:endParaRPr lang="en-IN"/>
-          </a:p>
-        </p:txBody>
-      </p:sp>
-      <p:sp>
-        <p:nvSpPr>
-          <p:cNvPr id="3" name="Vertical Text Placeholder 2">
-            <a:extLst>
-              <a:ext uri="{FF2B5EF4-FFF2-40B4-BE49-F238E27FC236}">
-                <a16:creationId xmlns:a16="http://schemas.microsoft.com/office/drawing/2014/main" id="{A23AC7B4-2F4D-44A9-9D00-B4EA0C843C88}"/>
-              </a:ext>
-            </a:extLst>
-          </p:cNvPr>
+            <a:endParaRPr lang="en-US" dirty="0"/>
+          </a:p>
+        </p:txBody>
+      </p:sp>
+      <p:sp>
+        <p:nvSpPr>
+          <p:cNvPr id="3" name="Vertical Text Placeholder 2"/>
           <p:cNvSpPr>
             <a:spLocks noGrp="1"/>
           </p:cNvSpPr>
@@ -598,8 +531,8 @@
         </p:nvSpPr>
         <p:spPr>
           <a:xfrm>
-            <a:off x="838200" y="365125"/>
-            <a:ext cx="7734300" cy="5811838"/>
+            <a:off x="681038" y="365125"/>
+            <a:ext cx="6284119" cy="5811838"/>
           </a:xfrm>
         </p:spPr>
         <p:txBody>
@@ -639,19 +572,13 @@
               <a:rPr lang="en-US"/>
               <a:t>Fifth level</a:t>
             </a:r>
-            <a:endParaRPr lang="en-IN"/>
-          </a:p>
-        </p:txBody>
-      </p:sp>
-      <p:sp>
-        <p:nvSpPr>
-          <p:cNvPr id="4" name="Date Placeholder 3">
-            <a:extLst>
-              <a:ext uri="{FF2B5EF4-FFF2-40B4-BE49-F238E27FC236}">
-                <a16:creationId xmlns:a16="http://schemas.microsoft.com/office/drawing/2014/main" id="{D373ABCC-985B-4D0A-9561-C237810BF063}"/>
-              </a:ext>
-            </a:extLst>
-          </p:cNvPr>
+            <a:endParaRPr lang="en-US" dirty="0"/>
+          </a:p>
+        </p:txBody>
+      </p:sp>
+      <p:sp>
+        <p:nvSpPr>
+          <p:cNvPr id="4" name="Date Placeholder 3"/>
           <p:cNvSpPr>
             <a:spLocks noGrp="1"/>
           </p:cNvSpPr>
@@ -666,7 +593,7 @@
           <a:p>
             <a:fld id="{5E867397-7C0A-45C7-8969-E76EFE3E04AC}" type="datetimeFigureOut">
               <a:rPr lang="en-IN" smtClean="0"/>
-              <a:t>21-03-2022</a:t>
+              <a:t>25-03-2022</a:t>
             </a:fld>
             <a:endParaRPr lang="en-IN"/>
           </a:p>
@@ -674,13 +601,7 @@
       </p:sp>
       <p:sp>
         <p:nvSpPr>
-          <p:cNvPr id="5" name="Footer Placeholder 4">
-            <a:extLst>
-              <a:ext uri="{FF2B5EF4-FFF2-40B4-BE49-F238E27FC236}">
-                <a16:creationId xmlns:a16="http://schemas.microsoft.com/office/drawing/2014/main" id="{C87FB623-F596-48AC-88B5-5B8C4E24E6C2}"/>
-              </a:ext>
-            </a:extLst>
-          </p:cNvPr>
+          <p:cNvPr id="5" name="Footer Placeholder 4"/>
           <p:cNvSpPr>
             <a:spLocks noGrp="1"/>
           </p:cNvSpPr>
@@ -699,13 +620,7 @@
       </p:sp>
       <p:sp>
         <p:nvSpPr>
-          <p:cNvPr id="6" name="Slide Number Placeholder 5">
-            <a:extLst>
-              <a:ext uri="{FF2B5EF4-FFF2-40B4-BE49-F238E27FC236}">
-                <a16:creationId xmlns:a16="http://schemas.microsoft.com/office/drawing/2014/main" id="{B628E756-9B3A-4C50-8CD0-5792C83E35FD}"/>
-              </a:ext>
-            </a:extLst>
-          </p:cNvPr>
+          <p:cNvPr id="6" name="Slide Number Placeholder 5"/>
           <p:cNvSpPr>
             <a:spLocks noGrp="1"/>
           </p:cNvSpPr>
@@ -729,7 +644,7 @@
     </p:spTree>
     <p:extLst>
       <p:ext uri="{BB962C8B-B14F-4D97-AF65-F5344CB8AC3E}">
-        <p14:creationId xmlns:p14="http://schemas.microsoft.com/office/powerpoint/2010/main" val="2175202673"/>
+        <p14:creationId xmlns:p14="http://schemas.microsoft.com/office/powerpoint/2010/main" val="1369530"/>
       </p:ext>
     </p:extLst>
   </p:cSld>
@@ -758,13 +673,7 @@
       </p:grpSpPr>
       <p:sp>
         <p:nvSpPr>
-          <p:cNvPr id="2" name="Title 1">
-            <a:extLst>
-              <a:ext uri="{FF2B5EF4-FFF2-40B4-BE49-F238E27FC236}">
-                <a16:creationId xmlns:a16="http://schemas.microsoft.com/office/drawing/2014/main" id="{40DE673F-F2E6-4290-84AB-CDF156713D96}"/>
-              </a:ext>
-            </a:extLst>
-          </p:cNvPr>
+          <p:cNvPr id="2" name="Title 1"/>
           <p:cNvSpPr>
             <a:spLocks noGrp="1"/>
           </p:cNvSpPr>
@@ -781,19 +690,13 @@
               <a:rPr lang="en-US"/>
               <a:t>Click to edit Master title style</a:t>
             </a:r>
-            <a:endParaRPr lang="en-IN"/>
-          </a:p>
-        </p:txBody>
-      </p:sp>
-      <p:sp>
-        <p:nvSpPr>
-          <p:cNvPr id="3" name="Content Placeholder 2">
-            <a:extLst>
-              <a:ext uri="{FF2B5EF4-FFF2-40B4-BE49-F238E27FC236}">
-                <a16:creationId xmlns:a16="http://schemas.microsoft.com/office/drawing/2014/main" id="{99057875-1C22-4C1C-8C7F-A25C6BD0085D}"/>
-              </a:ext>
-            </a:extLst>
-          </p:cNvPr>
+            <a:endParaRPr lang="en-US" dirty="0"/>
+          </a:p>
+        </p:txBody>
+      </p:sp>
+      <p:sp>
+        <p:nvSpPr>
+          <p:cNvPr id="3" name="Content Placeholder 2"/>
           <p:cNvSpPr>
             <a:spLocks noGrp="1"/>
           </p:cNvSpPr>
@@ -839,19 +742,13 @@
               <a:rPr lang="en-US"/>
               <a:t>Fifth level</a:t>
             </a:r>
-            <a:endParaRPr lang="en-IN"/>
-          </a:p>
-        </p:txBody>
-      </p:sp>
-      <p:sp>
-        <p:nvSpPr>
-          <p:cNvPr id="4" name="Date Placeholder 3">
-            <a:extLst>
-              <a:ext uri="{FF2B5EF4-FFF2-40B4-BE49-F238E27FC236}">
-                <a16:creationId xmlns:a16="http://schemas.microsoft.com/office/drawing/2014/main" id="{52A291B4-95FB-4DCD-B9F1-477FB5155338}"/>
-              </a:ext>
-            </a:extLst>
-          </p:cNvPr>
+            <a:endParaRPr lang="en-US" dirty="0"/>
+          </a:p>
+        </p:txBody>
+      </p:sp>
+      <p:sp>
+        <p:nvSpPr>
+          <p:cNvPr id="4" name="Date Placeholder 3"/>
           <p:cNvSpPr>
             <a:spLocks noGrp="1"/>
           </p:cNvSpPr>
@@ -866,7 +763,7 @@
           <a:p>
             <a:fld id="{5E867397-7C0A-45C7-8969-E76EFE3E04AC}" type="datetimeFigureOut">
               <a:rPr lang="en-IN" smtClean="0"/>
-              <a:t>21-03-2022</a:t>
+              <a:t>25-03-2022</a:t>
             </a:fld>
             <a:endParaRPr lang="en-IN"/>
           </a:p>
@@ -874,13 +771,7 @@
       </p:sp>
       <p:sp>
         <p:nvSpPr>
-          <p:cNvPr id="5" name="Footer Placeholder 4">
-            <a:extLst>
-              <a:ext uri="{FF2B5EF4-FFF2-40B4-BE49-F238E27FC236}">
-                <a16:creationId xmlns:a16="http://schemas.microsoft.com/office/drawing/2014/main" id="{41A95867-E990-45D7-9AE1-576F4D994B6F}"/>
-              </a:ext>
-            </a:extLst>
-          </p:cNvPr>
+          <p:cNvPr id="5" name="Footer Placeholder 4"/>
           <p:cNvSpPr>
             <a:spLocks noGrp="1"/>
           </p:cNvSpPr>
@@ -899,13 +790,7 @@
       </p:sp>
       <p:sp>
         <p:nvSpPr>
-          <p:cNvPr id="6" name="Slide Number Placeholder 5">
-            <a:extLst>
-              <a:ext uri="{FF2B5EF4-FFF2-40B4-BE49-F238E27FC236}">
-                <a16:creationId xmlns:a16="http://schemas.microsoft.com/office/drawing/2014/main" id="{7D55B4CA-EFFD-434D-95BE-25E7FAAA2A0A}"/>
-              </a:ext>
-            </a:extLst>
-          </p:cNvPr>
+          <p:cNvPr id="6" name="Slide Number Placeholder 5"/>
           <p:cNvSpPr>
             <a:spLocks noGrp="1"/>
           </p:cNvSpPr>
@@ -929,7 +814,7 @@
     </p:spTree>
     <p:extLst>
       <p:ext uri="{BB962C8B-B14F-4D97-AF65-F5344CB8AC3E}">
-        <p14:creationId xmlns:p14="http://schemas.microsoft.com/office/powerpoint/2010/main" val="1067729720"/>
+        <p14:creationId xmlns:p14="http://schemas.microsoft.com/office/powerpoint/2010/main" val="2519869697"/>
       </p:ext>
     </p:extLst>
   </p:cSld>
@@ -958,13 +843,7 @@
       </p:grpSpPr>
       <p:sp>
         <p:nvSpPr>
-          <p:cNvPr id="2" name="Title 1">
-            <a:extLst>
-              <a:ext uri="{FF2B5EF4-FFF2-40B4-BE49-F238E27FC236}">
-                <a16:creationId xmlns:a16="http://schemas.microsoft.com/office/drawing/2014/main" id="{E887DD3E-31C7-4394-948B-681848D2089C}"/>
-              </a:ext>
-            </a:extLst>
-          </p:cNvPr>
+          <p:cNvPr id="2" name="Title 1"/>
           <p:cNvSpPr>
             <a:spLocks noGrp="1"/>
           </p:cNvSpPr>
@@ -974,8 +853,8 @@
         </p:nvSpPr>
         <p:spPr>
           <a:xfrm>
-            <a:off x="831850" y="1709738"/>
-            <a:ext cx="10515600" cy="2852737"/>
+            <a:off x="675879" y="1709740"/>
+            <a:ext cx="8543925" cy="2852737"/>
           </a:xfrm>
         </p:spPr>
         <p:txBody>
@@ -990,19 +869,13 @@
               <a:rPr lang="en-US"/>
               <a:t>Click to edit Master title style</a:t>
             </a:r>
-            <a:endParaRPr lang="en-IN"/>
-          </a:p>
-        </p:txBody>
-      </p:sp>
-      <p:sp>
-        <p:nvSpPr>
-          <p:cNvPr id="3" name="Text Placeholder 2">
-            <a:extLst>
-              <a:ext uri="{FF2B5EF4-FFF2-40B4-BE49-F238E27FC236}">
-                <a16:creationId xmlns:a16="http://schemas.microsoft.com/office/drawing/2014/main" id="{3A0D8779-B41C-4221-A243-80F92F5C44D5}"/>
-              </a:ext>
-            </a:extLst>
-          </p:cNvPr>
+            <a:endParaRPr lang="en-US" dirty="0"/>
+          </a:p>
+        </p:txBody>
+      </p:sp>
+      <p:sp>
+        <p:nvSpPr>
+          <p:cNvPr id="3" name="Text Placeholder 2"/>
           <p:cNvSpPr>
             <a:spLocks noGrp="1"/>
           </p:cNvSpPr>
@@ -1012,8 +885,8 @@
         </p:nvSpPr>
         <p:spPr>
           <a:xfrm>
-            <a:off x="831850" y="4589463"/>
-            <a:ext cx="10515600" cy="1500187"/>
+            <a:off x="675879" y="4589465"/>
+            <a:ext cx="8543925" cy="1500187"/>
           </a:xfrm>
         </p:spPr>
         <p:txBody>
@@ -1023,9 +896,7 @@
               <a:buNone/>
               <a:defRPr sz="2400">
                 <a:solidFill>
-                  <a:schemeClr val="tx1">
-                    <a:tint val="75000"/>
-                  </a:schemeClr>
+                  <a:schemeClr val="tx1"/>
                 </a:solidFill>
               </a:defRPr>
             </a:lvl1pPr>
@@ -1121,13 +992,7 @@
       </p:sp>
       <p:sp>
         <p:nvSpPr>
-          <p:cNvPr id="4" name="Date Placeholder 3">
-            <a:extLst>
-              <a:ext uri="{FF2B5EF4-FFF2-40B4-BE49-F238E27FC236}">
-                <a16:creationId xmlns:a16="http://schemas.microsoft.com/office/drawing/2014/main" id="{6A85B9D7-2783-43CF-AAB9-032596B5F7FF}"/>
-              </a:ext>
-            </a:extLst>
-          </p:cNvPr>
+          <p:cNvPr id="4" name="Date Placeholder 3"/>
           <p:cNvSpPr>
             <a:spLocks noGrp="1"/>
           </p:cNvSpPr>
@@ -1142,7 +1007,7 @@
           <a:p>
             <a:fld id="{5E867397-7C0A-45C7-8969-E76EFE3E04AC}" type="datetimeFigureOut">
               <a:rPr lang="en-IN" smtClean="0"/>
-              <a:t>21-03-2022</a:t>
+              <a:t>25-03-2022</a:t>
             </a:fld>
             <a:endParaRPr lang="en-IN"/>
           </a:p>
@@ -1150,13 +1015,7 @@
       </p:sp>
       <p:sp>
         <p:nvSpPr>
-          <p:cNvPr id="5" name="Footer Placeholder 4">
-            <a:extLst>
-              <a:ext uri="{FF2B5EF4-FFF2-40B4-BE49-F238E27FC236}">
-                <a16:creationId xmlns:a16="http://schemas.microsoft.com/office/drawing/2014/main" id="{0FAC397C-918D-4222-9763-AEAAB3AA8B6F}"/>
-              </a:ext>
-            </a:extLst>
-          </p:cNvPr>
+          <p:cNvPr id="5" name="Footer Placeholder 4"/>
           <p:cNvSpPr>
             <a:spLocks noGrp="1"/>
           </p:cNvSpPr>
@@ -1175,13 +1034,7 @@
       </p:sp>
       <p:sp>
         <p:nvSpPr>
-          <p:cNvPr id="6" name="Slide Number Placeholder 5">
-            <a:extLst>
-              <a:ext uri="{FF2B5EF4-FFF2-40B4-BE49-F238E27FC236}">
-                <a16:creationId xmlns:a16="http://schemas.microsoft.com/office/drawing/2014/main" id="{9CD36AD0-4771-40EA-AE56-92E75A4A1A8B}"/>
-              </a:ext>
-            </a:extLst>
-          </p:cNvPr>
+          <p:cNvPr id="6" name="Slide Number Placeholder 5"/>
           <p:cNvSpPr>
             <a:spLocks noGrp="1"/>
           </p:cNvSpPr>
@@ -1205,7 +1058,7 @@
     </p:spTree>
     <p:extLst>
       <p:ext uri="{BB962C8B-B14F-4D97-AF65-F5344CB8AC3E}">
-        <p14:creationId xmlns:p14="http://schemas.microsoft.com/office/powerpoint/2010/main" val="771604539"/>
+        <p14:creationId xmlns:p14="http://schemas.microsoft.com/office/powerpoint/2010/main" val="3490081872"/>
       </p:ext>
     </p:extLst>
   </p:cSld>
@@ -1234,13 +1087,7 @@
       </p:grpSpPr>
       <p:sp>
         <p:nvSpPr>
-          <p:cNvPr id="2" name="Title 1">
-            <a:extLst>
-              <a:ext uri="{FF2B5EF4-FFF2-40B4-BE49-F238E27FC236}">
-                <a16:creationId xmlns:a16="http://schemas.microsoft.com/office/drawing/2014/main" id="{7879E077-8F10-4217-A632-C91316637EF5}"/>
-              </a:ext>
-            </a:extLst>
-          </p:cNvPr>
+          <p:cNvPr id="2" name="Title 1"/>
           <p:cNvSpPr>
             <a:spLocks noGrp="1"/>
           </p:cNvSpPr>
@@ -1257,19 +1104,13 @@
               <a:rPr lang="en-US"/>
               <a:t>Click to edit Master title style</a:t>
             </a:r>
-            <a:endParaRPr lang="en-IN"/>
-          </a:p>
-        </p:txBody>
-      </p:sp>
-      <p:sp>
-        <p:nvSpPr>
-          <p:cNvPr id="3" name="Content Placeholder 2">
-            <a:extLst>
-              <a:ext uri="{FF2B5EF4-FFF2-40B4-BE49-F238E27FC236}">
-                <a16:creationId xmlns:a16="http://schemas.microsoft.com/office/drawing/2014/main" id="{C50BCA2B-23A9-42BB-901C-4CC73FCE1FC1}"/>
-              </a:ext>
-            </a:extLst>
-          </p:cNvPr>
+            <a:endParaRPr lang="en-US" dirty="0"/>
+          </a:p>
+        </p:txBody>
+      </p:sp>
+      <p:sp>
+        <p:nvSpPr>
+          <p:cNvPr id="3" name="Content Placeholder 2"/>
           <p:cNvSpPr>
             <a:spLocks noGrp="1"/>
           </p:cNvSpPr>
@@ -1279,8 +1120,8 @@
         </p:nvSpPr>
         <p:spPr>
           <a:xfrm>
-            <a:off x="838200" y="1825625"/>
-            <a:ext cx="5181600" cy="4351338"/>
+            <a:off x="681038" y="1825625"/>
+            <a:ext cx="4210050" cy="4351338"/>
           </a:xfrm>
         </p:spPr>
         <p:txBody>
@@ -1320,19 +1161,13 @@
               <a:rPr lang="en-US"/>
               <a:t>Fifth level</a:t>
             </a:r>
-            <a:endParaRPr lang="en-IN"/>
-          </a:p>
-        </p:txBody>
-      </p:sp>
-      <p:sp>
-        <p:nvSpPr>
-          <p:cNvPr id="4" name="Content Placeholder 3">
-            <a:extLst>
-              <a:ext uri="{FF2B5EF4-FFF2-40B4-BE49-F238E27FC236}">
-                <a16:creationId xmlns:a16="http://schemas.microsoft.com/office/drawing/2014/main" id="{33D9AF52-8880-45C6-91DD-4D7EC9B774A5}"/>
-              </a:ext>
-            </a:extLst>
-          </p:cNvPr>
+            <a:endParaRPr lang="en-US" dirty="0"/>
+          </a:p>
+        </p:txBody>
+      </p:sp>
+      <p:sp>
+        <p:nvSpPr>
+          <p:cNvPr id="4" name="Content Placeholder 3"/>
           <p:cNvSpPr>
             <a:spLocks noGrp="1"/>
           </p:cNvSpPr>
@@ -1342,8 +1177,8 @@
         </p:nvSpPr>
         <p:spPr>
           <a:xfrm>
-            <a:off x="6172200" y="1825625"/>
-            <a:ext cx="5181600" cy="4351338"/>
+            <a:off x="5014913" y="1825625"/>
+            <a:ext cx="4210050" cy="4351338"/>
           </a:xfrm>
         </p:spPr>
         <p:txBody>
@@ -1383,19 +1218,13 @@
               <a:rPr lang="en-US"/>
               <a:t>Fifth level</a:t>
             </a:r>
-            <a:endParaRPr lang="en-IN"/>
-          </a:p>
-        </p:txBody>
-      </p:sp>
-      <p:sp>
-        <p:nvSpPr>
-          <p:cNvPr id="5" name="Date Placeholder 4">
-            <a:extLst>
-              <a:ext uri="{FF2B5EF4-FFF2-40B4-BE49-F238E27FC236}">
-                <a16:creationId xmlns:a16="http://schemas.microsoft.com/office/drawing/2014/main" id="{06BBA087-2B64-4B1E-9E70-46E5397C0B30}"/>
-              </a:ext>
-            </a:extLst>
-          </p:cNvPr>
+            <a:endParaRPr lang="en-US" dirty="0"/>
+          </a:p>
+        </p:txBody>
+      </p:sp>
+      <p:sp>
+        <p:nvSpPr>
+          <p:cNvPr id="5" name="Date Placeholder 4"/>
           <p:cNvSpPr>
             <a:spLocks noGrp="1"/>
           </p:cNvSpPr>
@@ -1410,7 +1239,7 @@
           <a:p>
             <a:fld id="{5E867397-7C0A-45C7-8969-E76EFE3E04AC}" type="datetimeFigureOut">
               <a:rPr lang="en-IN" smtClean="0"/>
-              <a:t>21-03-2022</a:t>
+              <a:t>25-03-2022</a:t>
             </a:fld>
             <a:endParaRPr lang="en-IN"/>
           </a:p>
@@ -1418,13 +1247,7 @@
       </p:sp>
       <p:sp>
         <p:nvSpPr>
-          <p:cNvPr id="6" name="Footer Placeholder 5">
-            <a:extLst>
-              <a:ext uri="{FF2B5EF4-FFF2-40B4-BE49-F238E27FC236}">
-                <a16:creationId xmlns:a16="http://schemas.microsoft.com/office/drawing/2014/main" id="{53B5BB71-02D8-4AD5-AF37-4725FB32E9CF}"/>
-              </a:ext>
-            </a:extLst>
-          </p:cNvPr>
+          <p:cNvPr id="6" name="Footer Placeholder 5"/>
           <p:cNvSpPr>
             <a:spLocks noGrp="1"/>
           </p:cNvSpPr>
@@ -1443,13 +1266,7 @@
       </p:sp>
       <p:sp>
         <p:nvSpPr>
-          <p:cNvPr id="7" name="Slide Number Placeholder 6">
-            <a:extLst>
-              <a:ext uri="{FF2B5EF4-FFF2-40B4-BE49-F238E27FC236}">
-                <a16:creationId xmlns:a16="http://schemas.microsoft.com/office/drawing/2014/main" id="{9EC869AA-4D00-43C8-8FF0-00FD2E9BDB87}"/>
-              </a:ext>
-            </a:extLst>
-          </p:cNvPr>
+          <p:cNvPr id="7" name="Slide Number Placeholder 6"/>
           <p:cNvSpPr>
             <a:spLocks noGrp="1"/>
           </p:cNvSpPr>
@@ -1473,7 +1290,7 @@
     </p:spTree>
     <p:extLst>
       <p:ext uri="{BB962C8B-B14F-4D97-AF65-F5344CB8AC3E}">
-        <p14:creationId xmlns:p14="http://schemas.microsoft.com/office/powerpoint/2010/main" val="3354309392"/>
+        <p14:creationId xmlns:p14="http://schemas.microsoft.com/office/powerpoint/2010/main" val="2196138340"/>
       </p:ext>
     </p:extLst>
   </p:cSld>
@@ -1502,13 +1319,7 @@
       </p:grpSpPr>
       <p:sp>
         <p:nvSpPr>
-          <p:cNvPr id="2" name="Title 1">
-            <a:extLst>
-              <a:ext uri="{FF2B5EF4-FFF2-40B4-BE49-F238E27FC236}">
-                <a16:creationId xmlns:a16="http://schemas.microsoft.com/office/drawing/2014/main" id="{BD243617-1DA0-4E2E-82A1-34181F41E0C3}"/>
-              </a:ext>
-            </a:extLst>
-          </p:cNvPr>
+          <p:cNvPr id="2" name="Title 1"/>
           <p:cNvSpPr>
             <a:spLocks noGrp="1"/>
           </p:cNvSpPr>
@@ -1518,8 +1329,8 @@
         </p:nvSpPr>
         <p:spPr>
           <a:xfrm>
-            <a:off x="839788" y="365125"/>
-            <a:ext cx="10515600" cy="1325563"/>
+            <a:off x="682328" y="365127"/>
+            <a:ext cx="8543925" cy="1325563"/>
           </a:xfrm>
         </p:spPr>
         <p:txBody>
@@ -1530,19 +1341,13 @@
               <a:rPr lang="en-US"/>
               <a:t>Click to edit Master title style</a:t>
             </a:r>
-            <a:endParaRPr lang="en-IN"/>
-          </a:p>
-        </p:txBody>
-      </p:sp>
-      <p:sp>
-        <p:nvSpPr>
-          <p:cNvPr id="3" name="Text Placeholder 2">
-            <a:extLst>
-              <a:ext uri="{FF2B5EF4-FFF2-40B4-BE49-F238E27FC236}">
-                <a16:creationId xmlns:a16="http://schemas.microsoft.com/office/drawing/2014/main" id="{1B33734B-84EF-4913-BC34-AD1E80FB9654}"/>
-              </a:ext>
-            </a:extLst>
-          </p:cNvPr>
+            <a:endParaRPr lang="en-US" dirty="0"/>
+          </a:p>
+        </p:txBody>
+      </p:sp>
+      <p:sp>
+        <p:nvSpPr>
+          <p:cNvPr id="3" name="Text Placeholder 2"/>
           <p:cNvSpPr>
             <a:spLocks noGrp="1"/>
           </p:cNvSpPr>
@@ -1552,8 +1357,8 @@
         </p:nvSpPr>
         <p:spPr>
           <a:xfrm>
-            <a:off x="839788" y="1681163"/>
-            <a:ext cx="5157787" cy="823912"/>
+            <a:off x="682329" y="1681163"/>
+            <a:ext cx="4190702" cy="823912"/>
           </a:xfrm>
         </p:spPr>
         <p:txBody>
@@ -1607,13 +1412,7 @@
       </p:sp>
       <p:sp>
         <p:nvSpPr>
-          <p:cNvPr id="4" name="Content Placeholder 3">
-            <a:extLst>
-              <a:ext uri="{FF2B5EF4-FFF2-40B4-BE49-F238E27FC236}">
-                <a16:creationId xmlns:a16="http://schemas.microsoft.com/office/drawing/2014/main" id="{5776CB0A-A7F2-4C5B-AE2F-3A658CCA9B96}"/>
-              </a:ext>
-            </a:extLst>
-          </p:cNvPr>
+          <p:cNvPr id="4" name="Content Placeholder 3"/>
           <p:cNvSpPr>
             <a:spLocks noGrp="1"/>
           </p:cNvSpPr>
@@ -1623,8 +1422,8 @@
         </p:nvSpPr>
         <p:spPr>
           <a:xfrm>
-            <a:off x="839788" y="2505075"/>
-            <a:ext cx="5157787" cy="3684588"/>
+            <a:off x="682329" y="2505075"/>
+            <a:ext cx="4190702" cy="3684588"/>
           </a:xfrm>
         </p:spPr>
         <p:txBody>
@@ -1664,19 +1463,13 @@
               <a:rPr lang="en-US"/>
               <a:t>Fifth level</a:t>
             </a:r>
-            <a:endParaRPr lang="en-IN"/>
-          </a:p>
-        </p:txBody>
-      </p:sp>
-      <p:sp>
-        <p:nvSpPr>
-          <p:cNvPr id="5" name="Text Placeholder 4">
-            <a:extLst>
-              <a:ext uri="{FF2B5EF4-FFF2-40B4-BE49-F238E27FC236}">
-                <a16:creationId xmlns:a16="http://schemas.microsoft.com/office/drawing/2014/main" id="{338AC825-CC77-4079-B890-ACA3405B93AB}"/>
-              </a:ext>
-            </a:extLst>
-          </p:cNvPr>
+            <a:endParaRPr lang="en-US" dirty="0"/>
+          </a:p>
+        </p:txBody>
+      </p:sp>
+      <p:sp>
+        <p:nvSpPr>
+          <p:cNvPr id="5" name="Text Placeholder 4"/>
           <p:cNvSpPr>
             <a:spLocks noGrp="1"/>
           </p:cNvSpPr>
@@ -1686,8 +1479,8 @@
         </p:nvSpPr>
         <p:spPr>
           <a:xfrm>
-            <a:off x="6172200" y="1681163"/>
-            <a:ext cx="5183188" cy="823912"/>
+            <a:off x="5014913" y="1681163"/>
+            <a:ext cx="4211340" cy="823912"/>
           </a:xfrm>
         </p:spPr>
         <p:txBody>
@@ -1741,13 +1534,7 @@
       </p:sp>
       <p:sp>
         <p:nvSpPr>
-          <p:cNvPr id="6" name="Content Placeholder 5">
-            <a:extLst>
-              <a:ext uri="{FF2B5EF4-FFF2-40B4-BE49-F238E27FC236}">
-                <a16:creationId xmlns:a16="http://schemas.microsoft.com/office/drawing/2014/main" id="{F118F29E-44A3-4A88-AE3E-6DD48E093C46}"/>
-              </a:ext>
-            </a:extLst>
-          </p:cNvPr>
+          <p:cNvPr id="6" name="Content Placeholder 5"/>
           <p:cNvSpPr>
             <a:spLocks noGrp="1"/>
           </p:cNvSpPr>
@@ -1757,8 +1544,8 @@
         </p:nvSpPr>
         <p:spPr>
           <a:xfrm>
-            <a:off x="6172200" y="2505075"/>
-            <a:ext cx="5183188" cy="3684588"/>
+            <a:off x="5014913" y="2505075"/>
+            <a:ext cx="4211340" cy="3684588"/>
           </a:xfrm>
         </p:spPr>
         <p:txBody>
@@ -1798,19 +1585,13 @@
               <a:rPr lang="en-US"/>
               <a:t>Fifth level</a:t>
             </a:r>
-            <a:endParaRPr lang="en-IN"/>
-          </a:p>
-        </p:txBody>
-      </p:sp>
-      <p:sp>
-        <p:nvSpPr>
-          <p:cNvPr id="7" name="Date Placeholder 6">
-            <a:extLst>
-              <a:ext uri="{FF2B5EF4-FFF2-40B4-BE49-F238E27FC236}">
-                <a16:creationId xmlns:a16="http://schemas.microsoft.com/office/drawing/2014/main" id="{F02F0AF0-F4BE-4ADE-B3AE-305FE3EBF077}"/>
-              </a:ext>
-            </a:extLst>
-          </p:cNvPr>
+            <a:endParaRPr lang="en-US" dirty="0"/>
+          </a:p>
+        </p:txBody>
+      </p:sp>
+      <p:sp>
+        <p:nvSpPr>
+          <p:cNvPr id="7" name="Date Placeholder 6"/>
           <p:cNvSpPr>
             <a:spLocks noGrp="1"/>
           </p:cNvSpPr>
@@ -1825,7 +1606,7 @@
           <a:p>
             <a:fld id="{5E867397-7C0A-45C7-8969-E76EFE3E04AC}" type="datetimeFigureOut">
               <a:rPr lang="en-IN" smtClean="0"/>
-              <a:t>21-03-2022</a:t>
+              <a:t>25-03-2022</a:t>
             </a:fld>
             <a:endParaRPr lang="en-IN"/>
           </a:p>
@@ -1833,13 +1614,7 @@
       </p:sp>
       <p:sp>
         <p:nvSpPr>
-          <p:cNvPr id="8" name="Footer Placeholder 7">
-            <a:extLst>
-              <a:ext uri="{FF2B5EF4-FFF2-40B4-BE49-F238E27FC236}">
-                <a16:creationId xmlns:a16="http://schemas.microsoft.com/office/drawing/2014/main" id="{E1310091-7EC9-4966-B706-5E8016D89957}"/>
-              </a:ext>
-            </a:extLst>
-          </p:cNvPr>
+          <p:cNvPr id="8" name="Footer Placeholder 7"/>
           <p:cNvSpPr>
             <a:spLocks noGrp="1"/>
           </p:cNvSpPr>
@@ -1858,13 +1633,7 @@
       </p:sp>
       <p:sp>
         <p:nvSpPr>
-          <p:cNvPr id="9" name="Slide Number Placeholder 8">
-            <a:extLst>
-              <a:ext uri="{FF2B5EF4-FFF2-40B4-BE49-F238E27FC236}">
-                <a16:creationId xmlns:a16="http://schemas.microsoft.com/office/drawing/2014/main" id="{816CABDD-85B4-44B3-8D40-AF4AB2D1749F}"/>
-              </a:ext>
-            </a:extLst>
-          </p:cNvPr>
+          <p:cNvPr id="9" name="Slide Number Placeholder 8"/>
           <p:cNvSpPr>
             <a:spLocks noGrp="1"/>
           </p:cNvSpPr>
@@ -1888,7 +1657,7 @@
     </p:spTree>
     <p:extLst>
       <p:ext uri="{BB962C8B-B14F-4D97-AF65-F5344CB8AC3E}">
-        <p14:creationId xmlns:p14="http://schemas.microsoft.com/office/powerpoint/2010/main" val="557377747"/>
+        <p14:creationId xmlns:p14="http://schemas.microsoft.com/office/powerpoint/2010/main" val="3023692209"/>
       </p:ext>
     </p:extLst>
   </p:cSld>
@@ -1917,13 +1686,7 @@
       </p:grpSpPr>
       <p:sp>
         <p:nvSpPr>
-          <p:cNvPr id="2" name="Title 1">
-            <a:extLst>
-              <a:ext uri="{FF2B5EF4-FFF2-40B4-BE49-F238E27FC236}">
-                <a16:creationId xmlns:a16="http://schemas.microsoft.com/office/drawing/2014/main" id="{2527F770-3E12-40B9-8CDF-B8DCDC342426}"/>
-              </a:ext>
-            </a:extLst>
-          </p:cNvPr>
+          <p:cNvPr id="2" name="Title 1"/>
           <p:cNvSpPr>
             <a:spLocks noGrp="1"/>
           </p:cNvSpPr>
@@ -1940,19 +1703,13 @@
               <a:rPr lang="en-US"/>
               <a:t>Click to edit Master title style</a:t>
             </a:r>
-            <a:endParaRPr lang="en-IN"/>
-          </a:p>
-        </p:txBody>
-      </p:sp>
-      <p:sp>
-        <p:nvSpPr>
-          <p:cNvPr id="3" name="Date Placeholder 2">
-            <a:extLst>
-              <a:ext uri="{FF2B5EF4-FFF2-40B4-BE49-F238E27FC236}">
-                <a16:creationId xmlns:a16="http://schemas.microsoft.com/office/drawing/2014/main" id="{E0CA0BD1-1B3B-478B-84D0-5756C42FA20C}"/>
-              </a:ext>
-            </a:extLst>
-          </p:cNvPr>
+            <a:endParaRPr lang="en-US" dirty="0"/>
+          </a:p>
+        </p:txBody>
+      </p:sp>
+      <p:sp>
+        <p:nvSpPr>
+          <p:cNvPr id="3" name="Date Placeholder 2"/>
           <p:cNvSpPr>
             <a:spLocks noGrp="1"/>
           </p:cNvSpPr>
@@ -1967,7 +1724,7 @@
           <a:p>
             <a:fld id="{5E867397-7C0A-45C7-8969-E76EFE3E04AC}" type="datetimeFigureOut">
               <a:rPr lang="en-IN" smtClean="0"/>
-              <a:t>21-03-2022</a:t>
+              <a:t>25-03-2022</a:t>
             </a:fld>
             <a:endParaRPr lang="en-IN"/>
           </a:p>
@@ -1975,13 +1732,7 @@
       </p:sp>
       <p:sp>
         <p:nvSpPr>
-          <p:cNvPr id="4" name="Footer Placeholder 3">
-            <a:extLst>
-              <a:ext uri="{FF2B5EF4-FFF2-40B4-BE49-F238E27FC236}">
-                <a16:creationId xmlns:a16="http://schemas.microsoft.com/office/drawing/2014/main" id="{9EE20F2E-99E9-44CE-990F-4F1CFDBC35D5}"/>
-              </a:ext>
-            </a:extLst>
-          </p:cNvPr>
+          <p:cNvPr id="4" name="Footer Placeholder 3"/>
           <p:cNvSpPr>
             <a:spLocks noGrp="1"/>
           </p:cNvSpPr>
@@ -2000,13 +1751,7 @@
       </p:sp>
       <p:sp>
         <p:nvSpPr>
-          <p:cNvPr id="5" name="Slide Number Placeholder 4">
-            <a:extLst>
-              <a:ext uri="{FF2B5EF4-FFF2-40B4-BE49-F238E27FC236}">
-                <a16:creationId xmlns:a16="http://schemas.microsoft.com/office/drawing/2014/main" id="{E0DF2782-AFFA-4E3C-B425-BAFB7AAF6BD2}"/>
-              </a:ext>
-            </a:extLst>
-          </p:cNvPr>
+          <p:cNvPr id="5" name="Slide Number Placeholder 4"/>
           <p:cNvSpPr>
             <a:spLocks noGrp="1"/>
           </p:cNvSpPr>
@@ -2030,7 +1775,7 @@
     </p:spTree>
     <p:extLst>
       <p:ext uri="{BB962C8B-B14F-4D97-AF65-F5344CB8AC3E}">
-        <p14:creationId xmlns:p14="http://schemas.microsoft.com/office/powerpoint/2010/main" val="1700905823"/>
+        <p14:creationId xmlns:p14="http://schemas.microsoft.com/office/powerpoint/2010/main" val="1395096700"/>
       </p:ext>
     </p:extLst>
   </p:cSld>
@@ -2059,13 +1804,7 @@
       </p:grpSpPr>
       <p:sp>
         <p:nvSpPr>
-          <p:cNvPr id="2" name="Date Placeholder 1">
-            <a:extLst>
-              <a:ext uri="{FF2B5EF4-FFF2-40B4-BE49-F238E27FC236}">
-                <a16:creationId xmlns:a16="http://schemas.microsoft.com/office/drawing/2014/main" id="{52614925-9AE4-43D0-ADD6-A2A0A5D0E87B}"/>
-              </a:ext>
-            </a:extLst>
-          </p:cNvPr>
+          <p:cNvPr id="2" name="Date Placeholder 1"/>
           <p:cNvSpPr>
             <a:spLocks noGrp="1"/>
           </p:cNvSpPr>
@@ -2080,7 +1819,7 @@
           <a:p>
             <a:fld id="{5E867397-7C0A-45C7-8969-E76EFE3E04AC}" type="datetimeFigureOut">
               <a:rPr lang="en-IN" smtClean="0"/>
-              <a:t>21-03-2022</a:t>
+              <a:t>25-03-2022</a:t>
             </a:fld>
             <a:endParaRPr lang="en-IN"/>
           </a:p>
@@ -2088,13 +1827,7 @@
       </p:sp>
       <p:sp>
         <p:nvSpPr>
-          <p:cNvPr id="3" name="Footer Placeholder 2">
-            <a:extLst>
-              <a:ext uri="{FF2B5EF4-FFF2-40B4-BE49-F238E27FC236}">
-                <a16:creationId xmlns:a16="http://schemas.microsoft.com/office/drawing/2014/main" id="{F8EB4E58-C57A-470D-A0C1-80E52C5ADA5E}"/>
-              </a:ext>
-            </a:extLst>
-          </p:cNvPr>
+          <p:cNvPr id="3" name="Footer Placeholder 2"/>
           <p:cNvSpPr>
             <a:spLocks noGrp="1"/>
           </p:cNvSpPr>
@@ -2113,13 +1846,7 @@
       </p:sp>
       <p:sp>
         <p:nvSpPr>
-          <p:cNvPr id="4" name="Slide Number Placeholder 3">
-            <a:extLst>
-              <a:ext uri="{FF2B5EF4-FFF2-40B4-BE49-F238E27FC236}">
-                <a16:creationId xmlns:a16="http://schemas.microsoft.com/office/drawing/2014/main" id="{C7293A42-88A7-42C4-A509-2B8533E2329F}"/>
-              </a:ext>
-            </a:extLst>
-          </p:cNvPr>
+          <p:cNvPr id="4" name="Slide Number Placeholder 3"/>
           <p:cNvSpPr>
             <a:spLocks noGrp="1"/>
           </p:cNvSpPr>
@@ -2143,7 +1870,7 @@
     </p:spTree>
     <p:extLst>
       <p:ext uri="{BB962C8B-B14F-4D97-AF65-F5344CB8AC3E}">
-        <p14:creationId xmlns:p14="http://schemas.microsoft.com/office/powerpoint/2010/main" val="800376569"/>
+        <p14:creationId xmlns:p14="http://schemas.microsoft.com/office/powerpoint/2010/main" val="2182550305"/>
       </p:ext>
     </p:extLst>
   </p:cSld>
@@ -2172,13 +1899,7 @@
       </p:grpSpPr>
       <p:sp>
         <p:nvSpPr>
-          <p:cNvPr id="2" name="Title 1">
-            <a:extLst>
-              <a:ext uri="{FF2B5EF4-FFF2-40B4-BE49-F238E27FC236}">
-                <a16:creationId xmlns:a16="http://schemas.microsoft.com/office/drawing/2014/main" id="{A27A535E-61BD-445D-B501-25C8FA2B6723}"/>
-              </a:ext>
-            </a:extLst>
-          </p:cNvPr>
+          <p:cNvPr id="2" name="Title 1"/>
           <p:cNvSpPr>
             <a:spLocks noGrp="1"/>
           </p:cNvSpPr>
@@ -2188,8 +1909,8 @@
         </p:nvSpPr>
         <p:spPr>
           <a:xfrm>
-            <a:off x="839788" y="457200"/>
-            <a:ext cx="3932237" cy="1600200"/>
+            <a:off x="682328" y="457200"/>
+            <a:ext cx="3194943" cy="1600200"/>
           </a:xfrm>
         </p:spPr>
         <p:txBody>
@@ -2204,19 +1925,13 @@
               <a:rPr lang="en-US"/>
               <a:t>Click to edit Master title style</a:t>
             </a:r>
-            <a:endParaRPr lang="en-IN"/>
-          </a:p>
-        </p:txBody>
-      </p:sp>
-      <p:sp>
-        <p:nvSpPr>
-          <p:cNvPr id="3" name="Content Placeholder 2">
-            <a:extLst>
-              <a:ext uri="{FF2B5EF4-FFF2-40B4-BE49-F238E27FC236}">
-                <a16:creationId xmlns:a16="http://schemas.microsoft.com/office/drawing/2014/main" id="{8669E5E7-736E-4C67-96D0-C02B7467FEDB}"/>
-              </a:ext>
-            </a:extLst>
-          </p:cNvPr>
+            <a:endParaRPr lang="en-US" dirty="0"/>
+          </a:p>
+        </p:txBody>
+      </p:sp>
+      <p:sp>
+        <p:nvSpPr>
+          <p:cNvPr id="3" name="Content Placeholder 2"/>
           <p:cNvSpPr>
             <a:spLocks noGrp="1"/>
           </p:cNvSpPr>
@@ -2226,8 +1941,8 @@
         </p:nvSpPr>
         <p:spPr>
           <a:xfrm>
-            <a:off x="5183188" y="987425"/>
-            <a:ext cx="6172200" cy="4873625"/>
+            <a:off x="4211340" y="987427"/>
+            <a:ext cx="5014913" cy="4873625"/>
           </a:xfrm>
         </p:spPr>
         <p:txBody>
@@ -2295,19 +2010,13 @@
               <a:rPr lang="en-US"/>
               <a:t>Fifth level</a:t>
             </a:r>
-            <a:endParaRPr lang="en-IN"/>
-          </a:p>
-        </p:txBody>
-      </p:sp>
-      <p:sp>
-        <p:nvSpPr>
-          <p:cNvPr id="4" name="Text Placeholder 3">
-            <a:extLst>
-              <a:ext uri="{FF2B5EF4-FFF2-40B4-BE49-F238E27FC236}">
-                <a16:creationId xmlns:a16="http://schemas.microsoft.com/office/drawing/2014/main" id="{D39C2259-3E0E-4AC9-9F01-5C08349E6910}"/>
-              </a:ext>
-            </a:extLst>
-          </p:cNvPr>
+            <a:endParaRPr lang="en-US" dirty="0"/>
+          </a:p>
+        </p:txBody>
+      </p:sp>
+      <p:sp>
+        <p:nvSpPr>
+          <p:cNvPr id="4" name="Text Placeholder 3"/>
           <p:cNvSpPr>
             <a:spLocks noGrp="1"/>
           </p:cNvSpPr>
@@ -2317,8 +2026,8 @@
         </p:nvSpPr>
         <p:spPr>
           <a:xfrm>
-            <a:off x="839788" y="2057400"/>
-            <a:ext cx="3932237" cy="3811588"/>
+            <a:off x="682328" y="2057400"/>
+            <a:ext cx="3194943" cy="3811588"/>
           </a:xfrm>
         </p:spPr>
         <p:txBody>
@@ -2372,13 +2081,7 @@
       </p:sp>
       <p:sp>
         <p:nvSpPr>
-          <p:cNvPr id="5" name="Date Placeholder 4">
-            <a:extLst>
-              <a:ext uri="{FF2B5EF4-FFF2-40B4-BE49-F238E27FC236}">
-                <a16:creationId xmlns:a16="http://schemas.microsoft.com/office/drawing/2014/main" id="{7BED589B-357A-44C4-B700-F5D1F2D142A7}"/>
-              </a:ext>
-            </a:extLst>
-          </p:cNvPr>
+          <p:cNvPr id="5" name="Date Placeholder 4"/>
           <p:cNvSpPr>
             <a:spLocks noGrp="1"/>
           </p:cNvSpPr>
@@ -2393,7 +2096,7 @@
           <a:p>
             <a:fld id="{5E867397-7C0A-45C7-8969-E76EFE3E04AC}" type="datetimeFigureOut">
               <a:rPr lang="en-IN" smtClean="0"/>
-              <a:t>21-03-2022</a:t>
+              <a:t>25-03-2022</a:t>
             </a:fld>
             <a:endParaRPr lang="en-IN"/>
           </a:p>
@@ -2401,13 +2104,7 @@
       </p:sp>
       <p:sp>
         <p:nvSpPr>
-          <p:cNvPr id="6" name="Footer Placeholder 5">
-            <a:extLst>
-              <a:ext uri="{FF2B5EF4-FFF2-40B4-BE49-F238E27FC236}">
-                <a16:creationId xmlns:a16="http://schemas.microsoft.com/office/drawing/2014/main" id="{431F228C-8CF3-4035-9BD4-D8004D8C8665}"/>
-              </a:ext>
-            </a:extLst>
-          </p:cNvPr>
+          <p:cNvPr id="6" name="Footer Placeholder 5"/>
           <p:cNvSpPr>
             <a:spLocks noGrp="1"/>
           </p:cNvSpPr>
@@ -2426,13 +2123,7 @@
       </p:sp>
       <p:sp>
         <p:nvSpPr>
-          <p:cNvPr id="7" name="Slide Number Placeholder 6">
-            <a:extLst>
-              <a:ext uri="{FF2B5EF4-FFF2-40B4-BE49-F238E27FC236}">
-                <a16:creationId xmlns:a16="http://schemas.microsoft.com/office/drawing/2014/main" id="{F955AB59-E4A2-4036-8AF5-873C7236A06E}"/>
-              </a:ext>
-            </a:extLst>
-          </p:cNvPr>
+          <p:cNvPr id="7" name="Slide Number Placeholder 6"/>
           <p:cNvSpPr>
             <a:spLocks noGrp="1"/>
           </p:cNvSpPr>
@@ -2456,7 +2147,7 @@
     </p:spTree>
     <p:extLst>
       <p:ext uri="{BB962C8B-B14F-4D97-AF65-F5344CB8AC3E}">
-        <p14:creationId xmlns:p14="http://schemas.microsoft.com/office/powerpoint/2010/main" val="3691735839"/>
+        <p14:creationId xmlns:p14="http://schemas.microsoft.com/office/powerpoint/2010/main" val="82165294"/>
       </p:ext>
     </p:extLst>
   </p:cSld>
@@ -2485,13 +2176,7 @@
       </p:grpSpPr>
       <p:sp>
         <p:nvSpPr>
-          <p:cNvPr id="2" name="Title 1">
-            <a:extLst>
-              <a:ext uri="{FF2B5EF4-FFF2-40B4-BE49-F238E27FC236}">
-                <a16:creationId xmlns:a16="http://schemas.microsoft.com/office/drawing/2014/main" id="{1F5F8B9D-313B-47F9-AA90-DA1F6D00684C}"/>
-              </a:ext>
-            </a:extLst>
-          </p:cNvPr>
+          <p:cNvPr id="2" name="Title 1"/>
           <p:cNvSpPr>
             <a:spLocks noGrp="1"/>
           </p:cNvSpPr>
@@ -2501,8 +2186,8 @@
         </p:nvSpPr>
         <p:spPr>
           <a:xfrm>
-            <a:off x="839788" y="457200"/>
-            <a:ext cx="3932237" cy="1600200"/>
+            <a:off x="682328" y="457200"/>
+            <a:ext cx="3194943" cy="1600200"/>
           </a:xfrm>
         </p:spPr>
         <p:txBody>
@@ -2517,21 +2202,15 @@
               <a:rPr lang="en-US"/>
               <a:t>Click to edit Master title style</a:t>
             </a:r>
-            <a:endParaRPr lang="en-IN"/>
-          </a:p>
-        </p:txBody>
-      </p:sp>
-      <p:sp>
-        <p:nvSpPr>
-          <p:cNvPr id="3" name="Picture Placeholder 2">
-            <a:extLst>
-              <a:ext uri="{FF2B5EF4-FFF2-40B4-BE49-F238E27FC236}">
-                <a16:creationId xmlns:a16="http://schemas.microsoft.com/office/drawing/2014/main" id="{09495754-478D-4BBB-B229-281CC79F4244}"/>
-              </a:ext>
-            </a:extLst>
-          </p:cNvPr>
-          <p:cNvSpPr>
-            <a:spLocks noGrp="1"/>
+            <a:endParaRPr lang="en-US" dirty="0"/>
+          </a:p>
+        </p:txBody>
+      </p:sp>
+      <p:sp>
+        <p:nvSpPr>
+          <p:cNvPr id="3" name="Picture Placeholder 2"/>
+          <p:cNvSpPr>
+            <a:spLocks noGrp="1" noChangeAspect="1"/>
           </p:cNvSpPr>
           <p:nvPr>
             <p:ph type="pic" idx="1"/>
@@ -2539,12 +2218,12 @@
         </p:nvSpPr>
         <p:spPr>
           <a:xfrm>
-            <a:off x="5183188" y="987425"/>
-            <a:ext cx="6172200" cy="4873625"/>
-          </a:xfrm>
-        </p:spPr>
-        <p:txBody>
-          <a:bodyPr/>
+            <a:off x="4211340" y="987427"/>
+            <a:ext cx="5014913" cy="4873625"/>
+          </a:xfrm>
+        </p:spPr>
+        <p:txBody>
+          <a:bodyPr anchor="t"/>
           <a:lstStyle>
             <a:lvl1pPr marL="0" indent="0">
               <a:buNone/>
@@ -2584,19 +2263,17 @@
             </a:lvl9pPr>
           </a:lstStyle>
           <a:p>
-            <a:endParaRPr lang="en-IN"/>
-          </a:p>
-        </p:txBody>
-      </p:sp>
-      <p:sp>
-        <p:nvSpPr>
-          <p:cNvPr id="4" name="Text Placeholder 3">
-            <a:extLst>
-              <a:ext uri="{FF2B5EF4-FFF2-40B4-BE49-F238E27FC236}">
-                <a16:creationId xmlns:a16="http://schemas.microsoft.com/office/drawing/2014/main" id="{5B4AD3A5-8B53-4385-9AE2-7F8D27B5DA11}"/>
-              </a:ext>
-            </a:extLst>
-          </p:cNvPr>
+            <a:r>
+              <a:rPr lang="en-US"/>
+              <a:t>Click icon to add picture</a:t>
+            </a:r>
+            <a:endParaRPr lang="en-US" dirty="0"/>
+          </a:p>
+        </p:txBody>
+      </p:sp>
+      <p:sp>
+        <p:nvSpPr>
+          <p:cNvPr id="4" name="Text Placeholder 3"/>
           <p:cNvSpPr>
             <a:spLocks noGrp="1"/>
           </p:cNvSpPr>
@@ -2606,8 +2283,8 @@
         </p:nvSpPr>
         <p:spPr>
           <a:xfrm>
-            <a:off x="839788" y="2057400"/>
-            <a:ext cx="3932237" cy="3811588"/>
+            <a:off x="682328" y="2057400"/>
+            <a:ext cx="3194943" cy="3811588"/>
           </a:xfrm>
         </p:spPr>
         <p:txBody>
@@ -2661,13 +2338,7 @@
       </p:sp>
       <p:sp>
         <p:nvSpPr>
-          <p:cNvPr id="5" name="Date Placeholder 4">
-            <a:extLst>
-              <a:ext uri="{FF2B5EF4-FFF2-40B4-BE49-F238E27FC236}">
-                <a16:creationId xmlns:a16="http://schemas.microsoft.com/office/drawing/2014/main" id="{6415C9BF-82F5-417E-8B97-C2414061A341}"/>
-              </a:ext>
-            </a:extLst>
-          </p:cNvPr>
+          <p:cNvPr id="5" name="Date Placeholder 4"/>
           <p:cNvSpPr>
             <a:spLocks noGrp="1"/>
           </p:cNvSpPr>
@@ -2682,7 +2353,7 @@
           <a:p>
             <a:fld id="{5E867397-7C0A-45C7-8969-E76EFE3E04AC}" type="datetimeFigureOut">
               <a:rPr lang="en-IN" smtClean="0"/>
-              <a:t>21-03-2022</a:t>
+              <a:t>25-03-2022</a:t>
             </a:fld>
             <a:endParaRPr lang="en-IN"/>
           </a:p>
@@ -2690,13 +2361,7 @@
       </p:sp>
       <p:sp>
         <p:nvSpPr>
-          <p:cNvPr id="6" name="Footer Placeholder 5">
-            <a:extLst>
-              <a:ext uri="{FF2B5EF4-FFF2-40B4-BE49-F238E27FC236}">
-                <a16:creationId xmlns:a16="http://schemas.microsoft.com/office/drawing/2014/main" id="{9F88974A-3110-4FD1-BD3F-CD12D7931AF8}"/>
-              </a:ext>
-            </a:extLst>
-          </p:cNvPr>
+          <p:cNvPr id="6" name="Footer Placeholder 5"/>
           <p:cNvSpPr>
             <a:spLocks noGrp="1"/>
           </p:cNvSpPr>
@@ -2715,13 +2380,7 @@
       </p:sp>
       <p:sp>
         <p:nvSpPr>
-          <p:cNvPr id="7" name="Slide Number Placeholder 6">
-            <a:extLst>
-              <a:ext uri="{FF2B5EF4-FFF2-40B4-BE49-F238E27FC236}">
-                <a16:creationId xmlns:a16="http://schemas.microsoft.com/office/drawing/2014/main" id="{1976359F-BEAC-486D-A6AF-F268D59B64DE}"/>
-              </a:ext>
-            </a:extLst>
-          </p:cNvPr>
+          <p:cNvPr id="7" name="Slide Number Placeholder 6"/>
           <p:cNvSpPr>
             <a:spLocks noGrp="1"/>
           </p:cNvSpPr>
@@ -2745,7 +2404,7 @@
     </p:spTree>
     <p:extLst>
       <p:ext uri="{BB962C8B-B14F-4D97-AF65-F5344CB8AC3E}">
-        <p14:creationId xmlns:p14="http://schemas.microsoft.com/office/powerpoint/2010/main" val="2361354187"/>
+        <p14:creationId xmlns:p14="http://schemas.microsoft.com/office/powerpoint/2010/main" val="3601023762"/>
       </p:ext>
     </p:extLst>
   </p:cSld>
@@ -2779,13 +2438,7 @@
       </p:grpSpPr>
       <p:sp>
         <p:nvSpPr>
-          <p:cNvPr id="2" name="Title Placeholder 1">
-            <a:extLst>
-              <a:ext uri="{FF2B5EF4-FFF2-40B4-BE49-F238E27FC236}">
-                <a16:creationId xmlns:a16="http://schemas.microsoft.com/office/drawing/2014/main" id="{1F158BFA-4BE3-41FB-AB6A-9C9E58CF9F66}"/>
-              </a:ext>
-            </a:extLst>
-          </p:cNvPr>
+          <p:cNvPr id="2" name="Title Placeholder 1"/>
           <p:cNvSpPr>
             <a:spLocks noGrp="1"/>
           </p:cNvSpPr>
@@ -2795,8 +2448,8 @@
         </p:nvSpPr>
         <p:spPr>
           <a:xfrm>
-            <a:off x="838200" y="365125"/>
-            <a:ext cx="10515600" cy="1325563"/>
+            <a:off x="681038" y="365127"/>
+            <a:ext cx="8543925" cy="1325563"/>
           </a:xfrm>
           <a:prstGeom prst="rect">
             <a:avLst/>
@@ -2812,19 +2465,13 @@
               <a:rPr lang="en-US"/>
               <a:t>Click to edit Master title style</a:t>
             </a:r>
-            <a:endParaRPr lang="en-IN"/>
-          </a:p>
-        </p:txBody>
-      </p:sp>
-      <p:sp>
-        <p:nvSpPr>
-          <p:cNvPr id="3" name="Text Placeholder 2">
-            <a:extLst>
-              <a:ext uri="{FF2B5EF4-FFF2-40B4-BE49-F238E27FC236}">
-                <a16:creationId xmlns:a16="http://schemas.microsoft.com/office/drawing/2014/main" id="{D877E090-EB98-44C9-8A99-1CDA80F8F3C2}"/>
-              </a:ext>
-            </a:extLst>
-          </p:cNvPr>
+            <a:endParaRPr lang="en-US" dirty="0"/>
+          </a:p>
+        </p:txBody>
+      </p:sp>
+      <p:sp>
+        <p:nvSpPr>
+          <p:cNvPr id="3" name="Text Placeholder 2"/>
           <p:cNvSpPr>
             <a:spLocks noGrp="1"/>
           </p:cNvSpPr>
@@ -2834,8 +2481,8 @@
         </p:nvSpPr>
         <p:spPr>
           <a:xfrm>
-            <a:off x="838200" y="1825625"/>
-            <a:ext cx="10515600" cy="4351338"/>
+            <a:off x="681038" y="1825625"/>
+            <a:ext cx="8543925" cy="4351338"/>
           </a:xfrm>
           <a:prstGeom prst="rect">
             <a:avLst/>
@@ -2880,19 +2527,13 @@
               <a:rPr lang="en-US"/>
               <a:t>Fifth level</a:t>
             </a:r>
-            <a:endParaRPr lang="en-IN"/>
-          </a:p>
-        </p:txBody>
-      </p:sp>
-      <p:sp>
-        <p:nvSpPr>
-          <p:cNvPr id="4" name="Date Placeholder 3">
-            <a:extLst>
-              <a:ext uri="{FF2B5EF4-FFF2-40B4-BE49-F238E27FC236}">
-                <a16:creationId xmlns:a16="http://schemas.microsoft.com/office/drawing/2014/main" id="{F44DF2A8-3FF3-46E1-AAED-83FEE3904251}"/>
-              </a:ext>
-            </a:extLst>
-          </p:cNvPr>
+            <a:endParaRPr lang="en-US" dirty="0"/>
+          </a:p>
+        </p:txBody>
+      </p:sp>
+      <p:sp>
+        <p:nvSpPr>
+          <p:cNvPr id="4" name="Date Placeholder 3"/>
           <p:cNvSpPr>
             <a:spLocks noGrp="1"/>
           </p:cNvSpPr>
@@ -2902,8 +2543,8 @@
         </p:nvSpPr>
         <p:spPr>
           <a:xfrm>
-            <a:off x="838200" y="6356350"/>
-            <a:ext cx="2743200" cy="365125"/>
+            <a:off x="681038" y="6356352"/>
+            <a:ext cx="2228850" cy="365125"/>
           </a:xfrm>
           <a:prstGeom prst="rect">
             <a:avLst/>
@@ -2925,7 +2566,7 @@
           <a:p>
             <a:fld id="{5E867397-7C0A-45C7-8969-E76EFE3E04AC}" type="datetimeFigureOut">
               <a:rPr lang="en-IN" smtClean="0"/>
-              <a:t>21-03-2022</a:t>
+              <a:t>25-03-2022</a:t>
             </a:fld>
             <a:endParaRPr lang="en-IN"/>
           </a:p>
@@ -2933,13 +2574,7 @@
       </p:sp>
       <p:sp>
         <p:nvSpPr>
-          <p:cNvPr id="5" name="Footer Placeholder 4">
-            <a:extLst>
-              <a:ext uri="{FF2B5EF4-FFF2-40B4-BE49-F238E27FC236}">
-                <a16:creationId xmlns:a16="http://schemas.microsoft.com/office/drawing/2014/main" id="{CC0A51D0-B47E-438F-A204-0A445C83F8ED}"/>
-              </a:ext>
-            </a:extLst>
-          </p:cNvPr>
+          <p:cNvPr id="5" name="Footer Placeholder 4"/>
           <p:cNvSpPr>
             <a:spLocks noGrp="1"/>
           </p:cNvSpPr>
@@ -2949,8 +2584,8 @@
         </p:nvSpPr>
         <p:spPr>
           <a:xfrm>
-            <a:off x="4038600" y="6356350"/>
-            <a:ext cx="4114800" cy="365125"/>
+            <a:off x="3281363" y="6356352"/>
+            <a:ext cx="3343275" cy="365125"/>
           </a:xfrm>
           <a:prstGeom prst="rect">
             <a:avLst/>
@@ -2976,13 +2611,7 @@
       </p:sp>
       <p:sp>
         <p:nvSpPr>
-          <p:cNvPr id="6" name="Slide Number Placeholder 5">
-            <a:extLst>
-              <a:ext uri="{FF2B5EF4-FFF2-40B4-BE49-F238E27FC236}">
-                <a16:creationId xmlns:a16="http://schemas.microsoft.com/office/drawing/2014/main" id="{CFB1DEEF-E3AC-4961-AC41-7DCE06B2AA18}"/>
-              </a:ext>
-            </a:extLst>
-          </p:cNvPr>
+          <p:cNvPr id="6" name="Slide Number Placeholder 5"/>
           <p:cNvSpPr>
             <a:spLocks noGrp="1"/>
           </p:cNvSpPr>
@@ -2992,8 +2621,8 @@
         </p:nvSpPr>
         <p:spPr>
           <a:xfrm>
-            <a:off x="8610600" y="6356350"/>
-            <a:ext cx="2743200" cy="365125"/>
+            <a:off x="6996113" y="6356352"/>
+            <a:ext cx="2228850" cy="365125"/>
           </a:xfrm>
           <a:prstGeom prst="rect">
             <a:avLst/>
@@ -3024,23 +2653,23 @@
     </p:spTree>
     <p:extLst>
       <p:ext uri="{BB962C8B-B14F-4D97-AF65-F5344CB8AC3E}">
-        <p14:creationId xmlns:p14="http://schemas.microsoft.com/office/powerpoint/2010/main" val="3762171244"/>
+        <p14:creationId xmlns:p14="http://schemas.microsoft.com/office/powerpoint/2010/main" val="2926149017"/>
       </p:ext>
     </p:extLst>
   </p:cSld>
   <p:clrMap bg1="lt1" tx1="dk1" bg2="lt2" tx2="dk2" accent1="accent1" accent2="accent2" accent3="accent3" accent4="accent4" accent5="accent5" accent6="accent6" hlink="hlink" folHlink="folHlink"/>
   <p:sldLayoutIdLst>
-    <p:sldLayoutId id="2147483649" r:id="rId1"/>
-    <p:sldLayoutId id="2147483650" r:id="rId2"/>
-    <p:sldLayoutId id="2147483651" r:id="rId3"/>
-    <p:sldLayoutId id="2147483652" r:id="rId4"/>
-    <p:sldLayoutId id="2147483653" r:id="rId5"/>
-    <p:sldLayoutId id="2147483654" r:id="rId6"/>
-    <p:sldLayoutId id="2147483655" r:id="rId7"/>
-    <p:sldLayoutId id="2147483656" r:id="rId8"/>
-    <p:sldLayoutId id="2147483657" r:id="rId9"/>
-    <p:sldLayoutId id="2147483658" r:id="rId10"/>
-    <p:sldLayoutId id="2147483659" r:id="rId11"/>
+    <p:sldLayoutId id="2147483673" r:id="rId1"/>
+    <p:sldLayoutId id="2147483674" r:id="rId2"/>
+    <p:sldLayoutId id="2147483675" r:id="rId3"/>
+    <p:sldLayoutId id="2147483676" r:id="rId4"/>
+    <p:sldLayoutId id="2147483677" r:id="rId5"/>
+    <p:sldLayoutId id="2147483678" r:id="rId6"/>
+    <p:sldLayoutId id="2147483679" r:id="rId7"/>
+    <p:sldLayoutId id="2147483680" r:id="rId8"/>
+    <p:sldLayoutId id="2147483681" r:id="rId9"/>
+    <p:sldLayoutId id="2147483682" r:id="rId10"/>
+    <p:sldLayoutId id="2147483683" r:id="rId11"/>
   </p:sldLayoutIdLst>
   <p:txStyles>
     <p:titleStyle>
@@ -3356,8 +2985,8 @@
         </p:nvSpPr>
         <p:spPr>
           <a:xfrm>
-            <a:off x="1895061" y="503582"/>
-            <a:ext cx="8401878" cy="369332"/>
+            <a:off x="401983" y="259798"/>
+            <a:ext cx="9102035" cy="392415"/>
           </a:xfrm>
           <a:prstGeom prst="rect">
             <a:avLst/>
@@ -3372,61 +3001,12 @@
           <a:p>
             <a:pPr algn="ctr"/>
             <a:r>
-              <a:rPr lang="en-IN" b="1" dirty="0">
+              <a:rPr lang="en-IN" sz="1950" b="1" dirty="0">
                 <a:solidFill>
                   <a:srgbClr val="0070C0"/>
                 </a:solidFill>
               </a:rPr>
               <a:t>Locked Me Flow Chart</a:t>
-            </a:r>
-          </a:p>
-        </p:txBody>
-      </p:sp>
-      <p:sp>
-        <p:nvSpPr>
-          <p:cNvPr id="7" name="Rectangle 6">
-            <a:extLst>
-              <a:ext uri="{FF2B5EF4-FFF2-40B4-BE49-F238E27FC236}">
-                <a16:creationId xmlns:a16="http://schemas.microsoft.com/office/drawing/2014/main" id="{393A84F0-3E24-46F3-ABEB-FAA2688E3D63}"/>
-              </a:ext>
-            </a:extLst>
-          </p:cNvPr>
-          <p:cNvSpPr/>
-          <p:nvPr/>
-        </p:nvSpPr>
-        <p:spPr>
-          <a:xfrm>
-            <a:off x="4558748" y="1406600"/>
-            <a:ext cx="3366052" cy="569844"/>
-          </a:xfrm>
-          <a:prstGeom prst="rect">
-            <a:avLst/>
-          </a:prstGeom>
-        </p:spPr>
-        <p:style>
-          <a:lnRef idx="2">
-            <a:schemeClr val="accent1">
-              <a:shade val="50000"/>
-            </a:schemeClr>
-          </a:lnRef>
-          <a:fillRef idx="1">
-            <a:schemeClr val="accent1"/>
-          </a:fillRef>
-          <a:effectRef idx="0">
-            <a:schemeClr val="accent1"/>
-          </a:effectRef>
-          <a:fontRef idx="minor">
-            <a:schemeClr val="lt1"/>
-          </a:fontRef>
-        </p:style>
-        <p:txBody>
-          <a:bodyPr rtlCol="0" anchor="ctr"/>
-          <a:lstStyle/>
-          <a:p>
-            <a:pPr algn="ctr"/>
-            <a:r>
-              <a:rPr lang="en-IN" dirty="0"/>
-              <a:t>User Options</a:t>
             </a:r>
           </a:p>
         </p:txBody>
@@ -3445,8 +3025,8 @@
         </p:nvSpPr>
         <p:spPr>
           <a:xfrm>
-            <a:off x="583096" y="2496596"/>
-            <a:ext cx="3366052" cy="569844"/>
+            <a:off x="1086679" y="2285371"/>
+            <a:ext cx="2147896" cy="876919"/>
           </a:xfrm>
           <a:prstGeom prst="rect">
             <a:avLst/>
@@ -3474,270 +3054,12 @@
           <a:p>
             <a:pPr algn="ctr"/>
             <a:r>
-              <a:rPr lang="en-IN" dirty="0"/>
-              <a:t>Retrieve file names</a:t>
-            </a:r>
-          </a:p>
-        </p:txBody>
-      </p:sp>
-      <p:sp>
-        <p:nvSpPr>
-          <p:cNvPr id="10" name="Rectangle 9">
-            <a:extLst>
-              <a:ext uri="{FF2B5EF4-FFF2-40B4-BE49-F238E27FC236}">
-                <a16:creationId xmlns:a16="http://schemas.microsoft.com/office/drawing/2014/main" id="{E529E6ED-26FD-4FB8-A8FA-20A121CCE7E1}"/>
-              </a:ext>
-            </a:extLst>
-          </p:cNvPr>
-          <p:cNvSpPr/>
-          <p:nvPr/>
-        </p:nvSpPr>
-        <p:spPr>
-          <a:xfrm>
-            <a:off x="4558748" y="2496596"/>
-            <a:ext cx="3366052" cy="569844"/>
-          </a:xfrm>
-          <a:prstGeom prst="rect">
-            <a:avLst/>
-          </a:prstGeom>
-        </p:spPr>
-        <p:style>
-          <a:lnRef idx="2">
-            <a:schemeClr val="accent1">
-              <a:shade val="50000"/>
-            </a:schemeClr>
-          </a:lnRef>
-          <a:fillRef idx="1">
-            <a:schemeClr val="accent1"/>
-          </a:fillRef>
-          <a:effectRef idx="0">
-            <a:schemeClr val="accent1"/>
-          </a:effectRef>
-          <a:fontRef idx="minor">
-            <a:schemeClr val="lt1"/>
-          </a:fontRef>
-        </p:style>
-        <p:txBody>
-          <a:bodyPr rtlCol="0" anchor="ctr"/>
-          <a:lstStyle/>
-          <a:p>
-            <a:pPr algn="ctr"/>
-            <a:r>
-              <a:rPr lang="en-IN" dirty="0"/>
-              <a:t>Business Options</a:t>
-            </a:r>
-          </a:p>
-        </p:txBody>
-      </p:sp>
-      <p:sp>
-        <p:nvSpPr>
-          <p:cNvPr id="11" name="Rectangle 10">
-            <a:extLst>
-              <a:ext uri="{FF2B5EF4-FFF2-40B4-BE49-F238E27FC236}">
-                <a16:creationId xmlns:a16="http://schemas.microsoft.com/office/drawing/2014/main" id="{869CFC80-FD8A-4E01-93D6-57C39631564D}"/>
-              </a:ext>
-            </a:extLst>
-          </p:cNvPr>
-          <p:cNvSpPr/>
-          <p:nvPr/>
-        </p:nvSpPr>
-        <p:spPr>
-          <a:xfrm>
-            <a:off x="8382000" y="2496596"/>
-            <a:ext cx="3366052" cy="569844"/>
-          </a:xfrm>
-          <a:prstGeom prst="rect">
-            <a:avLst/>
-          </a:prstGeom>
-        </p:spPr>
-        <p:style>
-          <a:lnRef idx="2">
-            <a:schemeClr val="accent1">
-              <a:shade val="50000"/>
-            </a:schemeClr>
-          </a:lnRef>
-          <a:fillRef idx="1">
-            <a:schemeClr val="accent1"/>
-          </a:fillRef>
-          <a:effectRef idx="0">
-            <a:schemeClr val="accent1"/>
-          </a:effectRef>
-          <a:fontRef idx="minor">
-            <a:schemeClr val="lt1"/>
-          </a:fontRef>
-        </p:style>
-        <p:txBody>
-          <a:bodyPr rtlCol="0" anchor="ctr"/>
-          <a:lstStyle/>
-          <a:p>
-            <a:pPr algn="ctr"/>
-            <a:r>
-              <a:rPr lang="en-IN" dirty="0"/>
-              <a:t>Exit</a:t>
-            </a:r>
-          </a:p>
-        </p:txBody>
-      </p:sp>
-      <p:cxnSp>
-        <p:nvCxnSpPr>
-          <p:cNvPr id="15" name="Straight Connector 14">
-            <a:extLst>
-              <a:ext uri="{FF2B5EF4-FFF2-40B4-BE49-F238E27FC236}">
-                <a16:creationId xmlns:a16="http://schemas.microsoft.com/office/drawing/2014/main" id="{FB3AEEB8-76C5-4DDF-9E91-703E397C7390}"/>
-              </a:ext>
-            </a:extLst>
-          </p:cNvPr>
-          <p:cNvCxnSpPr>
-            <a:cxnSpLocks/>
-          </p:cNvCxnSpPr>
-          <p:nvPr/>
-        </p:nvCxnSpPr>
-        <p:spPr>
-          <a:xfrm>
-            <a:off x="2173356" y="2156936"/>
-            <a:ext cx="7891670" cy="0"/>
-          </a:xfrm>
-          <a:prstGeom prst="line">
-            <a:avLst/>
-          </a:prstGeom>
-        </p:spPr>
-        <p:style>
-          <a:lnRef idx="1">
-            <a:schemeClr val="accent1"/>
-          </a:lnRef>
-          <a:fillRef idx="0">
-            <a:schemeClr val="accent1"/>
-          </a:fillRef>
-          <a:effectRef idx="0">
-            <a:schemeClr val="accent1"/>
-          </a:effectRef>
-          <a:fontRef idx="minor">
-            <a:schemeClr val="tx1"/>
-          </a:fontRef>
-        </p:style>
-      </p:cxnSp>
-      <p:cxnSp>
-        <p:nvCxnSpPr>
-          <p:cNvPr id="24" name="Straight Arrow Connector 23">
-            <a:extLst>
-              <a:ext uri="{FF2B5EF4-FFF2-40B4-BE49-F238E27FC236}">
-                <a16:creationId xmlns:a16="http://schemas.microsoft.com/office/drawing/2014/main" id="{05CF3227-3DB1-4810-A957-EF74D339C2E5}"/>
-              </a:ext>
-            </a:extLst>
-          </p:cNvPr>
-          <p:cNvCxnSpPr/>
-          <p:nvPr/>
-        </p:nvCxnSpPr>
-        <p:spPr>
-          <a:xfrm>
-            <a:off x="2173356" y="2156936"/>
-            <a:ext cx="0" cy="339660"/>
-          </a:xfrm>
-          <a:prstGeom prst="straightConnector1">
-            <a:avLst/>
-          </a:prstGeom>
-          <a:ln>
-            <a:tailEnd type="triangle"/>
-          </a:ln>
-        </p:spPr>
-        <p:style>
-          <a:lnRef idx="1">
-            <a:schemeClr val="accent1"/>
-          </a:lnRef>
-          <a:fillRef idx="0">
-            <a:schemeClr val="accent1"/>
-          </a:fillRef>
-          <a:effectRef idx="0">
-            <a:schemeClr val="accent1"/>
-          </a:effectRef>
-          <a:fontRef idx="minor">
-            <a:schemeClr val="tx1"/>
-          </a:fontRef>
-        </p:style>
-      </p:cxnSp>
-      <p:cxnSp>
-        <p:nvCxnSpPr>
-          <p:cNvPr id="26" name="Straight Arrow Connector 25">
-            <a:extLst>
-              <a:ext uri="{FF2B5EF4-FFF2-40B4-BE49-F238E27FC236}">
-                <a16:creationId xmlns:a16="http://schemas.microsoft.com/office/drawing/2014/main" id="{6CA356F7-0589-4FDC-9AB3-50B22876741F}"/>
-              </a:ext>
-            </a:extLst>
-          </p:cNvPr>
-          <p:cNvCxnSpPr>
-            <a:stCxn id="7" idx="2"/>
-            <a:endCxn id="10" idx="0"/>
-          </p:cNvCxnSpPr>
-          <p:nvPr/>
-        </p:nvCxnSpPr>
-        <p:spPr>
-          <a:xfrm>
-            <a:off x="6241774" y="1976444"/>
-            <a:ext cx="0" cy="520152"/>
-          </a:xfrm>
-          <a:prstGeom prst="straightConnector1">
-            <a:avLst/>
-          </a:prstGeom>
-          <a:ln>
-            <a:tailEnd type="triangle"/>
-          </a:ln>
-        </p:spPr>
-        <p:style>
-          <a:lnRef idx="1">
-            <a:schemeClr val="accent1"/>
-          </a:lnRef>
-          <a:fillRef idx="0">
-            <a:schemeClr val="accent1"/>
-          </a:fillRef>
-          <a:effectRef idx="0">
-            <a:schemeClr val="accent1"/>
-          </a:effectRef>
-          <a:fontRef idx="minor">
-            <a:schemeClr val="tx1"/>
-          </a:fontRef>
-        </p:style>
-      </p:cxnSp>
-      <p:cxnSp>
-        <p:nvCxnSpPr>
-          <p:cNvPr id="28" name="Straight Arrow Connector 27">
-            <a:extLst>
-              <a:ext uri="{FF2B5EF4-FFF2-40B4-BE49-F238E27FC236}">
-                <a16:creationId xmlns:a16="http://schemas.microsoft.com/office/drawing/2014/main" id="{94DD8672-5004-4CE0-9237-AC8DD2F4E9FD}"/>
-              </a:ext>
-            </a:extLst>
-          </p:cNvPr>
-          <p:cNvCxnSpPr>
-            <a:endCxn id="11" idx="0"/>
-          </p:cNvCxnSpPr>
-          <p:nvPr/>
-        </p:nvCxnSpPr>
-        <p:spPr>
-          <a:xfrm>
-            <a:off x="10065026" y="2156936"/>
-            <a:ext cx="0" cy="339660"/>
-          </a:xfrm>
-          <a:prstGeom prst="straightConnector1">
-            <a:avLst/>
-          </a:prstGeom>
-          <a:ln>
-            <a:tailEnd type="triangle"/>
-          </a:ln>
-        </p:spPr>
-        <p:style>
-          <a:lnRef idx="1">
-            <a:schemeClr val="accent1"/>
-          </a:lnRef>
-          <a:fillRef idx="0">
-            <a:schemeClr val="accent1"/>
-          </a:fillRef>
-          <a:effectRef idx="0">
-            <a:schemeClr val="accent1"/>
-          </a:effectRef>
-          <a:fontRef idx="minor">
-            <a:schemeClr val="tx1"/>
-          </a:fontRef>
-        </p:style>
-      </p:cxnSp>
+              <a:rPr lang="en-IN" sz="1950" dirty="0"/>
+              <a:t>Retrieve file names in ASC order</a:t>
+            </a:r>
+          </a:p>
+        </p:txBody>
+      </p:sp>
       <p:sp>
         <p:nvSpPr>
           <p:cNvPr id="29" name="Rectangle 28">
@@ -3752,8 +3074,8 @@
         </p:nvSpPr>
         <p:spPr>
           <a:xfrm>
-            <a:off x="3949148" y="4010803"/>
-            <a:ext cx="1457739" cy="569844"/>
+            <a:off x="2769704" y="5436105"/>
+            <a:ext cx="1184691" cy="416959"/>
           </a:xfrm>
           <a:prstGeom prst="rect">
             <a:avLst/>
@@ -3781,8 +3103,8 @@
           <a:p>
             <a:pPr algn="ctr"/>
             <a:r>
-              <a:rPr lang="en-IN" dirty="0"/>
-              <a:t>Add</a:t>
+              <a:rPr lang="en-IN" sz="1950" dirty="0"/>
+              <a:t>Add file</a:t>
             </a:r>
           </a:p>
         </p:txBody>
@@ -3801,8 +3123,8 @@
         </p:nvSpPr>
         <p:spPr>
           <a:xfrm>
-            <a:off x="5512904" y="4010803"/>
-            <a:ext cx="1457739" cy="569844"/>
+            <a:off x="4416285" y="5424529"/>
+            <a:ext cx="1298714" cy="416960"/>
           </a:xfrm>
           <a:prstGeom prst="rect">
             <a:avLst/>
@@ -3830,8 +3152,8 @@
           <a:p>
             <a:pPr algn="ctr"/>
             <a:r>
-              <a:rPr lang="en-IN" dirty="0"/>
-              <a:t>Delete</a:t>
+              <a:rPr lang="en-IN" sz="1950" dirty="0"/>
+              <a:t>Delete file</a:t>
             </a:r>
           </a:p>
         </p:txBody>
@@ -3850,8 +3172,8 @@
         </p:nvSpPr>
         <p:spPr>
           <a:xfrm>
-            <a:off x="7089913" y="4006197"/>
-            <a:ext cx="1457739" cy="574450"/>
+            <a:off x="6169991" y="5436106"/>
+            <a:ext cx="1367645" cy="405383"/>
           </a:xfrm>
           <a:prstGeom prst="rect">
             <a:avLst/>
@@ -3879,8 +3201,8 @@
           <a:p>
             <a:pPr algn="ctr"/>
             <a:r>
-              <a:rPr lang="en-IN" dirty="0"/>
-              <a:t>Search</a:t>
+              <a:rPr lang="en-IN" sz="1950" dirty="0"/>
+              <a:t>Search file</a:t>
             </a:r>
           </a:p>
         </p:txBody>
@@ -3895,15 +3217,251 @@
             </a:extLst>
           </p:cNvPr>
           <p:cNvCxnSpPr>
-            <a:stCxn id="10" idx="2"/>
-            <a:endCxn id="30" idx="0"/>
+            <a:cxnSpLocks/>
+            <a:stCxn id="23" idx="2"/>
           </p:cNvCxnSpPr>
           <p:nvPr/>
         </p:nvCxnSpPr>
         <p:spPr>
           <a:xfrm>
-            <a:off x="6241774" y="3066440"/>
-            <a:ext cx="0" cy="944363"/>
+            <a:off x="4985580" y="5071030"/>
+            <a:ext cx="0" cy="375615"/>
+          </a:xfrm>
+          <a:prstGeom prst="straightConnector1">
+            <a:avLst/>
+          </a:prstGeom>
+          <a:ln>
+            <a:tailEnd type="triangle"/>
+          </a:ln>
+        </p:spPr>
+        <p:style>
+          <a:lnRef idx="1">
+            <a:schemeClr val="accent1"/>
+          </a:lnRef>
+          <a:fillRef idx="0">
+            <a:schemeClr val="accent1"/>
+          </a:fillRef>
+          <a:effectRef idx="0">
+            <a:schemeClr val="accent1"/>
+          </a:effectRef>
+          <a:fontRef idx="minor">
+            <a:schemeClr val="tx1"/>
+          </a:fontRef>
+        </p:style>
+      </p:cxnSp>
+      <p:sp>
+        <p:nvSpPr>
+          <p:cNvPr id="6" name="Flowchart: Alternate Process 5">
+            <a:extLst>
+              <a:ext uri="{FF2B5EF4-FFF2-40B4-BE49-F238E27FC236}">
+                <a16:creationId xmlns:a16="http://schemas.microsoft.com/office/drawing/2014/main" id="{20B09B45-8581-42B1-B800-5F6E07705C1E}"/>
+              </a:ext>
+            </a:extLst>
+          </p:cNvPr>
+          <p:cNvSpPr/>
+          <p:nvPr/>
+        </p:nvSpPr>
+        <p:spPr>
+          <a:xfrm>
+            <a:off x="4081610" y="828401"/>
+            <a:ext cx="1698479" cy="418212"/>
+          </a:xfrm>
+          <a:prstGeom prst="flowChartAlternateProcess">
+            <a:avLst/>
+          </a:prstGeom>
+        </p:spPr>
+        <p:style>
+          <a:lnRef idx="2">
+            <a:schemeClr val="accent1">
+              <a:shade val="50000"/>
+            </a:schemeClr>
+          </a:lnRef>
+          <a:fillRef idx="1">
+            <a:schemeClr val="accent1"/>
+          </a:fillRef>
+          <a:effectRef idx="0">
+            <a:schemeClr val="accent1"/>
+          </a:effectRef>
+          <a:fontRef idx="minor">
+            <a:schemeClr val="lt1"/>
+          </a:fontRef>
+        </p:style>
+        <p:txBody>
+          <a:bodyPr rtlCol="0" anchor="ctr"/>
+          <a:lstStyle/>
+          <a:p>
+            <a:pPr algn="ctr"/>
+            <a:r>
+              <a:rPr lang="en-IN" sz="1950" dirty="0"/>
+              <a:t>Start</a:t>
+            </a:r>
+          </a:p>
+        </p:txBody>
+      </p:sp>
+      <p:sp>
+        <p:nvSpPr>
+          <p:cNvPr id="8" name="Diamond 7">
+            <a:extLst>
+              <a:ext uri="{FF2B5EF4-FFF2-40B4-BE49-F238E27FC236}">
+                <a16:creationId xmlns:a16="http://schemas.microsoft.com/office/drawing/2014/main" id="{C4FA0EDE-D115-42AE-B214-053F56559E9B}"/>
+              </a:ext>
+            </a:extLst>
+          </p:cNvPr>
+          <p:cNvSpPr/>
+          <p:nvPr/>
+        </p:nvSpPr>
+        <p:spPr>
+          <a:xfrm>
+            <a:off x="3817180" y="2257185"/>
+            <a:ext cx="2253973" cy="905105"/>
+          </a:xfrm>
+          <a:prstGeom prst="diamond">
+            <a:avLst/>
+          </a:prstGeom>
+        </p:spPr>
+        <p:style>
+          <a:lnRef idx="2">
+            <a:schemeClr val="accent1">
+              <a:shade val="50000"/>
+            </a:schemeClr>
+          </a:lnRef>
+          <a:fillRef idx="1">
+            <a:schemeClr val="accent1"/>
+          </a:fillRef>
+          <a:effectRef idx="0">
+            <a:schemeClr val="accent1"/>
+          </a:effectRef>
+          <a:fontRef idx="minor">
+            <a:schemeClr val="lt1"/>
+          </a:fontRef>
+        </p:style>
+        <p:txBody>
+          <a:bodyPr rtlCol="0" anchor="ctr"/>
+          <a:lstStyle/>
+          <a:p>
+            <a:pPr algn="ctr"/>
+            <a:r>
+              <a:rPr lang="en-IN" sz="1950" dirty="0"/>
+              <a:t>User Options</a:t>
+            </a:r>
+          </a:p>
+        </p:txBody>
+      </p:sp>
+      <p:cxnSp>
+        <p:nvCxnSpPr>
+          <p:cNvPr id="13" name="Straight Arrow Connector 12">
+            <a:extLst>
+              <a:ext uri="{FF2B5EF4-FFF2-40B4-BE49-F238E27FC236}">
+                <a16:creationId xmlns:a16="http://schemas.microsoft.com/office/drawing/2014/main" id="{764454C5-D918-4D2B-8B13-3F1FC4D37BBD}"/>
+              </a:ext>
+            </a:extLst>
+          </p:cNvPr>
+          <p:cNvCxnSpPr>
+            <a:cxnSpLocks/>
+          </p:cNvCxnSpPr>
+          <p:nvPr/>
+        </p:nvCxnSpPr>
+        <p:spPr>
+          <a:xfrm>
+            <a:off x="4944167" y="2047526"/>
+            <a:ext cx="7179" cy="192093"/>
+          </a:xfrm>
+          <a:prstGeom prst="straightConnector1">
+            <a:avLst/>
+          </a:prstGeom>
+          <a:ln>
+            <a:tailEnd type="triangle"/>
+          </a:ln>
+        </p:spPr>
+        <p:style>
+          <a:lnRef idx="1">
+            <a:schemeClr val="accent1"/>
+          </a:lnRef>
+          <a:fillRef idx="0">
+            <a:schemeClr val="accent1"/>
+          </a:fillRef>
+          <a:effectRef idx="0">
+            <a:schemeClr val="accent1"/>
+          </a:effectRef>
+          <a:fontRef idx="minor">
+            <a:schemeClr val="tx1"/>
+          </a:fontRef>
+        </p:style>
+      </p:cxnSp>
+      <p:sp>
+        <p:nvSpPr>
+          <p:cNvPr id="18" name="Parallelogram 17">
+            <a:extLst>
+              <a:ext uri="{FF2B5EF4-FFF2-40B4-BE49-F238E27FC236}">
+                <a16:creationId xmlns:a16="http://schemas.microsoft.com/office/drawing/2014/main" id="{70A820F9-42A4-41B7-81FB-6FD68C536A26}"/>
+              </a:ext>
+            </a:extLst>
+          </p:cNvPr>
+          <p:cNvSpPr/>
+          <p:nvPr/>
+        </p:nvSpPr>
+        <p:spPr>
+          <a:xfrm>
+            <a:off x="4016516" y="1537071"/>
+            <a:ext cx="1938129" cy="520760"/>
+          </a:xfrm>
+          <a:prstGeom prst="parallelogram">
+            <a:avLst/>
+          </a:prstGeom>
+        </p:spPr>
+        <p:style>
+          <a:lnRef idx="2">
+            <a:schemeClr val="accent1">
+              <a:shade val="50000"/>
+            </a:schemeClr>
+          </a:lnRef>
+          <a:fillRef idx="1">
+            <a:schemeClr val="accent1"/>
+          </a:fillRef>
+          <a:effectRef idx="0">
+            <a:schemeClr val="accent1"/>
+          </a:effectRef>
+          <a:fontRef idx="minor">
+            <a:schemeClr val="lt1"/>
+          </a:fontRef>
+        </p:style>
+        <p:txBody>
+          <a:bodyPr rtlCol="0" anchor="ctr"/>
+          <a:lstStyle/>
+          <a:p>
+            <a:pPr algn="ctr"/>
+            <a:r>
+              <a:rPr lang="en-IN" dirty="0"/>
+              <a:t>Enter </a:t>
+            </a:r>
+          </a:p>
+          <a:p>
+            <a:pPr algn="ctr"/>
+            <a:r>
+              <a:rPr lang="en-IN" dirty="0"/>
+              <a:t>User Option</a:t>
+            </a:r>
+          </a:p>
+        </p:txBody>
+      </p:sp>
+      <p:cxnSp>
+        <p:nvCxnSpPr>
+          <p:cNvPr id="32" name="Straight Arrow Connector 31">
+            <a:extLst>
+              <a:ext uri="{FF2B5EF4-FFF2-40B4-BE49-F238E27FC236}">
+                <a16:creationId xmlns:a16="http://schemas.microsoft.com/office/drawing/2014/main" id="{2FB9F82C-27EE-4A1D-946B-C811E6122D87}"/>
+              </a:ext>
+            </a:extLst>
+          </p:cNvPr>
+          <p:cNvCxnSpPr>
+            <a:cxnSpLocks/>
+          </p:cNvCxnSpPr>
+          <p:nvPr/>
+        </p:nvCxnSpPr>
+        <p:spPr>
+          <a:xfrm>
+            <a:off x="4931466" y="1281199"/>
+            <a:ext cx="0" cy="242777"/>
           </a:xfrm>
           <a:prstGeom prst="straightConnector1">
             <a:avLst/>
@@ -3929,24 +3487,275 @@
       </p:cxnSp>
       <p:cxnSp>
         <p:nvCxnSpPr>
-          <p:cNvPr id="38" name="Straight Connector 37">
+          <p:cNvPr id="33" name="Straight Arrow Connector 32">
             <a:extLst>
               <a:ext uri="{FF2B5EF4-FFF2-40B4-BE49-F238E27FC236}">
-                <a16:creationId xmlns:a16="http://schemas.microsoft.com/office/drawing/2014/main" id="{554A245D-2DEA-48F3-9125-B227F9559F25}"/>
+                <a16:creationId xmlns:a16="http://schemas.microsoft.com/office/drawing/2014/main" id="{FE65DB58-13A3-4EB0-83A6-6CDB43C70D41}"/>
               </a:ext>
             </a:extLst>
           </p:cNvPr>
-          <p:cNvCxnSpPr/>
+          <p:cNvCxnSpPr>
+            <a:cxnSpLocks/>
+          </p:cNvCxnSpPr>
           <p:nvPr/>
         </p:nvCxnSpPr>
         <p:spPr>
           <a:xfrm>
-            <a:off x="4558748" y="3538621"/>
-            <a:ext cx="3366052" cy="0"/>
-          </a:xfrm>
-          <a:prstGeom prst="line">
+            <a:off x="4951346" y="3952104"/>
+            <a:ext cx="12702" cy="193515"/>
+          </a:xfrm>
+          <a:prstGeom prst="straightConnector1">
             <a:avLst/>
           </a:prstGeom>
+          <a:ln>
+            <a:tailEnd type="triangle"/>
+          </a:ln>
+        </p:spPr>
+        <p:style>
+          <a:lnRef idx="1">
+            <a:schemeClr val="accent1"/>
+          </a:lnRef>
+          <a:fillRef idx="0">
+            <a:schemeClr val="accent1"/>
+          </a:fillRef>
+          <a:effectRef idx="0">
+            <a:schemeClr val="accent1"/>
+          </a:effectRef>
+          <a:fontRef idx="minor">
+            <a:schemeClr val="tx1"/>
+          </a:fontRef>
+        </p:style>
+      </p:cxnSp>
+      <p:sp>
+        <p:nvSpPr>
+          <p:cNvPr id="34" name="Parallelogram 33">
+            <a:extLst>
+              <a:ext uri="{FF2B5EF4-FFF2-40B4-BE49-F238E27FC236}">
+                <a16:creationId xmlns:a16="http://schemas.microsoft.com/office/drawing/2014/main" id="{171ECCE3-8562-4387-816D-8ABC22886655}"/>
+              </a:ext>
+            </a:extLst>
+          </p:cNvPr>
+          <p:cNvSpPr/>
+          <p:nvPr/>
+        </p:nvSpPr>
+        <p:spPr>
+          <a:xfrm>
+            <a:off x="3858593" y="3371494"/>
+            <a:ext cx="2253973" cy="582973"/>
+          </a:xfrm>
+          <a:prstGeom prst="parallelogram">
+            <a:avLst/>
+          </a:prstGeom>
+        </p:spPr>
+        <p:style>
+          <a:lnRef idx="2">
+            <a:schemeClr val="accent1">
+              <a:shade val="50000"/>
+            </a:schemeClr>
+          </a:lnRef>
+          <a:fillRef idx="1">
+            <a:schemeClr val="accent1"/>
+          </a:fillRef>
+          <a:effectRef idx="0">
+            <a:schemeClr val="accent1"/>
+          </a:effectRef>
+          <a:fontRef idx="minor">
+            <a:schemeClr val="lt1"/>
+          </a:fontRef>
+        </p:style>
+        <p:txBody>
+          <a:bodyPr rtlCol="0" anchor="ctr"/>
+          <a:lstStyle/>
+          <a:p>
+            <a:pPr algn="ctr"/>
+            <a:r>
+              <a:rPr lang="en-IN" dirty="0"/>
+              <a:t>Enter </a:t>
+            </a:r>
+          </a:p>
+          <a:p>
+            <a:pPr algn="ctr"/>
+            <a:r>
+              <a:rPr lang="en-IN" dirty="0"/>
+              <a:t>Business Option</a:t>
+            </a:r>
+          </a:p>
+        </p:txBody>
+      </p:sp>
+      <p:cxnSp>
+        <p:nvCxnSpPr>
+          <p:cNvPr id="36" name="Straight Arrow Connector 35">
+            <a:extLst>
+              <a:ext uri="{FF2B5EF4-FFF2-40B4-BE49-F238E27FC236}">
+                <a16:creationId xmlns:a16="http://schemas.microsoft.com/office/drawing/2014/main" id="{B188BEB1-70D3-4C81-BDF7-EF37132EED43}"/>
+              </a:ext>
+            </a:extLst>
+          </p:cNvPr>
+          <p:cNvCxnSpPr>
+            <a:cxnSpLocks/>
+            <a:endCxn id="34" idx="0"/>
+          </p:cNvCxnSpPr>
+          <p:nvPr/>
+        </p:nvCxnSpPr>
+        <p:spPr>
+          <a:xfrm>
+            <a:off x="4951346" y="3010609"/>
+            <a:ext cx="34234" cy="360885"/>
+          </a:xfrm>
+          <a:prstGeom prst="straightConnector1">
+            <a:avLst/>
+          </a:prstGeom>
+          <a:ln>
+            <a:tailEnd type="triangle"/>
+          </a:ln>
+        </p:spPr>
+        <p:style>
+          <a:lnRef idx="1">
+            <a:schemeClr val="accent1"/>
+          </a:lnRef>
+          <a:fillRef idx="0">
+            <a:schemeClr val="accent1"/>
+          </a:fillRef>
+          <a:effectRef idx="0">
+            <a:schemeClr val="accent1"/>
+          </a:effectRef>
+          <a:fontRef idx="minor">
+            <a:schemeClr val="tx1"/>
+          </a:fontRef>
+        </p:style>
+      </p:cxnSp>
+      <p:sp>
+        <p:nvSpPr>
+          <p:cNvPr id="23" name="Diamond 22">
+            <a:extLst>
+              <a:ext uri="{FF2B5EF4-FFF2-40B4-BE49-F238E27FC236}">
+                <a16:creationId xmlns:a16="http://schemas.microsoft.com/office/drawing/2014/main" id="{10229E91-14DF-49B4-9B42-9BE9F39E0BF4}"/>
+              </a:ext>
+            </a:extLst>
+          </p:cNvPr>
+          <p:cNvSpPr/>
+          <p:nvPr/>
+        </p:nvSpPr>
+        <p:spPr>
+          <a:xfrm>
+            <a:off x="3858594" y="4131340"/>
+            <a:ext cx="2253972" cy="939690"/>
+          </a:xfrm>
+          <a:prstGeom prst="diamond">
+            <a:avLst/>
+          </a:prstGeom>
+        </p:spPr>
+        <p:style>
+          <a:lnRef idx="2">
+            <a:schemeClr val="accent1">
+              <a:shade val="50000"/>
+            </a:schemeClr>
+          </a:lnRef>
+          <a:fillRef idx="1">
+            <a:schemeClr val="accent1"/>
+          </a:fillRef>
+          <a:effectRef idx="0">
+            <a:schemeClr val="accent1"/>
+          </a:effectRef>
+          <a:fontRef idx="minor">
+            <a:schemeClr val="lt1"/>
+          </a:fontRef>
+        </p:style>
+        <p:txBody>
+          <a:bodyPr rtlCol="0" anchor="ctr"/>
+          <a:lstStyle/>
+          <a:p>
+            <a:pPr algn="ctr"/>
+            <a:r>
+              <a:rPr lang="en-IN" dirty="0"/>
+              <a:t>Business</a:t>
+            </a:r>
+          </a:p>
+          <a:p>
+            <a:pPr algn="ctr"/>
+            <a:r>
+              <a:rPr lang="en-IN" dirty="0"/>
+              <a:t>Options</a:t>
+            </a:r>
+          </a:p>
+        </p:txBody>
+      </p:sp>
+      <p:sp>
+        <p:nvSpPr>
+          <p:cNvPr id="66" name="Rectangle: Rounded Corners 65">
+            <a:extLst>
+              <a:ext uri="{FF2B5EF4-FFF2-40B4-BE49-F238E27FC236}">
+                <a16:creationId xmlns:a16="http://schemas.microsoft.com/office/drawing/2014/main" id="{F69D2F6E-F61C-4606-A4A5-DB326205EFF9}"/>
+              </a:ext>
+            </a:extLst>
+          </p:cNvPr>
+          <p:cNvSpPr/>
+          <p:nvPr/>
+        </p:nvSpPr>
+        <p:spPr>
+          <a:xfrm>
+            <a:off x="4416285" y="6228270"/>
+            <a:ext cx="1298713" cy="416961"/>
+          </a:xfrm>
+          <a:prstGeom prst="roundRect">
+            <a:avLst/>
+          </a:prstGeom>
+        </p:spPr>
+        <p:style>
+          <a:lnRef idx="2">
+            <a:schemeClr val="accent1">
+              <a:shade val="50000"/>
+            </a:schemeClr>
+          </a:lnRef>
+          <a:fillRef idx="1">
+            <a:schemeClr val="accent1"/>
+          </a:fillRef>
+          <a:effectRef idx="0">
+            <a:schemeClr val="accent1"/>
+          </a:effectRef>
+          <a:fontRef idx="minor">
+            <a:schemeClr val="lt1"/>
+          </a:fontRef>
+        </p:style>
+        <p:txBody>
+          <a:bodyPr rtlCol="0" anchor="ctr"/>
+          <a:lstStyle/>
+          <a:p>
+            <a:pPr algn="ctr"/>
+            <a:r>
+              <a:rPr lang="en-IN" dirty="0"/>
+              <a:t>Stop</a:t>
+            </a:r>
+          </a:p>
+        </p:txBody>
+      </p:sp>
+      <p:cxnSp>
+        <p:nvCxnSpPr>
+          <p:cNvPr id="69" name="Straight Arrow Connector 68">
+            <a:extLst>
+              <a:ext uri="{FF2B5EF4-FFF2-40B4-BE49-F238E27FC236}">
+                <a16:creationId xmlns:a16="http://schemas.microsoft.com/office/drawing/2014/main" id="{FB001541-9AC2-4F06-88DB-1EC0AA8B0D56}"/>
+              </a:ext>
+            </a:extLst>
+          </p:cNvPr>
+          <p:cNvCxnSpPr>
+            <a:cxnSpLocks/>
+            <a:stCxn id="30" idx="2"/>
+            <a:endCxn id="66" idx="0"/>
+          </p:cNvCxnSpPr>
+          <p:nvPr/>
+        </p:nvCxnSpPr>
+        <p:spPr>
+          <a:xfrm>
+            <a:off x="5065642" y="5841489"/>
+            <a:ext cx="0" cy="386781"/>
+          </a:xfrm>
+          <a:prstGeom prst="straightConnector1">
+            <a:avLst/>
+          </a:prstGeom>
+          <a:ln>
+            <a:tailEnd type="triangle"/>
+          </a:ln>
         </p:spPr>
         <p:style>
           <a:lnRef idx="1">
@@ -3965,23 +3774,29 @@
       </p:cxnSp>
       <p:cxnSp>
         <p:nvCxnSpPr>
-          <p:cNvPr id="40" name="Straight Arrow Connector 39">
+          <p:cNvPr id="71" name="Connector: Elbow 70">
             <a:extLst>
               <a:ext uri="{FF2B5EF4-FFF2-40B4-BE49-F238E27FC236}">
-                <a16:creationId xmlns:a16="http://schemas.microsoft.com/office/drawing/2014/main" id="{0F546A4E-3A7E-44B4-B1D4-F04F2F024F21}"/>
+                <a16:creationId xmlns:a16="http://schemas.microsoft.com/office/drawing/2014/main" id="{966DA657-90EC-4AE4-A812-E11A76253808}"/>
               </a:ext>
             </a:extLst>
           </p:cNvPr>
-          <p:cNvCxnSpPr/>
+          <p:cNvCxnSpPr>
+            <a:cxnSpLocks/>
+            <a:stCxn id="8" idx="3"/>
+            <a:endCxn id="66" idx="3"/>
+          </p:cNvCxnSpPr>
           <p:nvPr/>
         </p:nvCxnSpPr>
         <p:spPr>
-          <a:xfrm>
-            <a:off x="4558748" y="3538621"/>
-            <a:ext cx="0" cy="467576"/>
-          </a:xfrm>
-          <a:prstGeom prst="straightConnector1">
-            <a:avLst/>
+          <a:xfrm flipH="1">
+            <a:off x="5714998" y="2709738"/>
+            <a:ext cx="356155" cy="3727013"/>
+          </a:xfrm>
+          <a:prstGeom prst="bentConnector3">
+            <a:avLst>
+              <a:gd name="adj1" fmla="val -473485"/>
+            </a:avLst>
           </a:prstGeom>
           <a:ln>
             <a:tailEnd type="triangle"/>
@@ -4004,27 +3819,30 @@
       </p:cxnSp>
       <p:cxnSp>
         <p:nvCxnSpPr>
-          <p:cNvPr id="42" name="Straight Arrow Connector 41">
+          <p:cNvPr id="74" name="Connector: Elbow 73">
             <a:extLst>
               <a:ext uri="{FF2B5EF4-FFF2-40B4-BE49-F238E27FC236}">
-                <a16:creationId xmlns:a16="http://schemas.microsoft.com/office/drawing/2014/main" id="{EA633D3F-84A4-4C7E-A1AC-7D2527D94269}"/>
+                <a16:creationId xmlns:a16="http://schemas.microsoft.com/office/drawing/2014/main" id="{8C1D3752-F876-4E4A-A7AE-71818A7819F7}"/>
               </a:ext>
             </a:extLst>
           </p:cNvPr>
-          <p:cNvCxnSpPr/>
+          <p:cNvCxnSpPr>
+            <a:cxnSpLocks/>
+            <a:stCxn id="29" idx="2"/>
+            <a:endCxn id="31" idx="2"/>
+          </p:cNvCxnSpPr>
           <p:nvPr/>
         </p:nvCxnSpPr>
         <p:spPr>
-          <a:xfrm>
-            <a:off x="7924800" y="3538621"/>
-            <a:ext cx="0" cy="467576"/>
-          </a:xfrm>
-          <a:prstGeom prst="straightConnector1">
-            <a:avLst/>
+          <a:xfrm rot="5400000" flipH="1" flipV="1">
+            <a:off x="5102144" y="4101395"/>
+            <a:ext cx="11575" cy="3491764"/>
+          </a:xfrm>
+          <a:prstGeom prst="bentConnector3">
+            <a:avLst>
+              <a:gd name="adj1" fmla="val -1974946"/>
+            </a:avLst>
           </a:prstGeom>
-          <a:ln>
-            <a:tailEnd type="triangle"/>
-          </a:ln>
         </p:spPr>
         <p:style>
           <a:lnRef idx="1">
@@ -4041,6 +3859,346 @@
           </a:fontRef>
         </p:style>
       </p:cxnSp>
+      <p:cxnSp>
+        <p:nvCxnSpPr>
+          <p:cNvPr id="93" name="Connector: Elbow 92">
+            <a:extLst>
+              <a:ext uri="{FF2B5EF4-FFF2-40B4-BE49-F238E27FC236}">
+                <a16:creationId xmlns:a16="http://schemas.microsoft.com/office/drawing/2014/main" id="{F10CECF6-B131-4981-8C65-7F1F974E9C70}"/>
+              </a:ext>
+            </a:extLst>
+          </p:cNvPr>
+          <p:cNvCxnSpPr>
+            <a:cxnSpLocks/>
+            <a:stCxn id="29" idx="0"/>
+            <a:endCxn id="31" idx="0"/>
+          </p:cNvCxnSpPr>
+          <p:nvPr/>
+        </p:nvCxnSpPr>
+        <p:spPr>
+          <a:xfrm rot="16200000" flipH="1">
+            <a:off x="5107931" y="3690223"/>
+            <a:ext cx="1" cy="3491764"/>
+          </a:xfrm>
+          <a:prstGeom prst="bentConnector3">
+            <a:avLst>
+              <a:gd name="adj1" fmla="val -22860000000"/>
+            </a:avLst>
+          </a:prstGeom>
+        </p:spPr>
+        <p:style>
+          <a:lnRef idx="1">
+            <a:schemeClr val="accent1"/>
+          </a:lnRef>
+          <a:fillRef idx="0">
+            <a:schemeClr val="accent1"/>
+          </a:fillRef>
+          <a:effectRef idx="0">
+            <a:schemeClr val="accent1"/>
+          </a:effectRef>
+          <a:fontRef idx="minor">
+            <a:schemeClr val="tx1"/>
+          </a:fontRef>
+        </p:style>
+      </p:cxnSp>
+      <p:cxnSp>
+        <p:nvCxnSpPr>
+          <p:cNvPr id="102" name="Connector: Elbow 101">
+            <a:extLst>
+              <a:ext uri="{FF2B5EF4-FFF2-40B4-BE49-F238E27FC236}">
+                <a16:creationId xmlns:a16="http://schemas.microsoft.com/office/drawing/2014/main" id="{7E182CC2-4E5E-445B-B05A-CAE7AC4D2044}"/>
+              </a:ext>
+            </a:extLst>
+          </p:cNvPr>
+          <p:cNvCxnSpPr>
+            <a:stCxn id="23" idx="1"/>
+            <a:endCxn id="18" idx="5"/>
+          </p:cNvCxnSpPr>
+          <p:nvPr/>
+        </p:nvCxnSpPr>
+        <p:spPr>
+          <a:xfrm rot="10800000" flipH="1">
+            <a:off x="3858593" y="1797451"/>
+            <a:ext cx="223017" cy="2803734"/>
+          </a:xfrm>
+          <a:prstGeom prst="bentConnector3">
+            <a:avLst>
+              <a:gd name="adj1" fmla="val -1403850"/>
+            </a:avLst>
+          </a:prstGeom>
+          <a:ln>
+            <a:tailEnd type="triangle"/>
+          </a:ln>
+        </p:spPr>
+        <p:style>
+          <a:lnRef idx="1">
+            <a:schemeClr val="accent1"/>
+          </a:lnRef>
+          <a:fillRef idx="0">
+            <a:schemeClr val="accent1"/>
+          </a:fillRef>
+          <a:effectRef idx="0">
+            <a:schemeClr val="accent1"/>
+          </a:effectRef>
+          <a:fontRef idx="minor">
+            <a:schemeClr val="tx1"/>
+          </a:fontRef>
+        </p:style>
+      </p:cxnSp>
+      <p:cxnSp>
+        <p:nvCxnSpPr>
+          <p:cNvPr id="105" name="Straight Arrow Connector 104">
+            <a:extLst>
+              <a:ext uri="{FF2B5EF4-FFF2-40B4-BE49-F238E27FC236}">
+                <a16:creationId xmlns:a16="http://schemas.microsoft.com/office/drawing/2014/main" id="{4A3112AE-4611-4335-A11C-13C25F038C42}"/>
+              </a:ext>
+            </a:extLst>
+          </p:cNvPr>
+          <p:cNvCxnSpPr>
+            <a:cxnSpLocks/>
+            <a:stCxn id="9" idx="3"/>
+            <a:endCxn id="8" idx="1"/>
+          </p:cNvCxnSpPr>
+          <p:nvPr/>
+        </p:nvCxnSpPr>
+        <p:spPr>
+          <a:xfrm flipV="1">
+            <a:off x="3234575" y="2709738"/>
+            <a:ext cx="582605" cy="14093"/>
+          </a:xfrm>
+          <a:prstGeom prst="straightConnector1">
+            <a:avLst/>
+          </a:prstGeom>
+          <a:ln>
+            <a:headEnd type="triangle"/>
+            <a:tailEnd type="triangle"/>
+          </a:ln>
+        </p:spPr>
+        <p:style>
+          <a:lnRef idx="1">
+            <a:schemeClr val="accent1"/>
+          </a:lnRef>
+          <a:fillRef idx="0">
+            <a:schemeClr val="accent1"/>
+          </a:fillRef>
+          <a:effectRef idx="0">
+            <a:schemeClr val="accent1"/>
+          </a:effectRef>
+          <a:fontRef idx="minor">
+            <a:schemeClr val="tx1"/>
+          </a:fontRef>
+        </p:style>
+      </p:cxnSp>
+      <p:sp>
+        <p:nvSpPr>
+          <p:cNvPr id="106" name="TextBox 105">
+            <a:extLst>
+              <a:ext uri="{FF2B5EF4-FFF2-40B4-BE49-F238E27FC236}">
+                <a16:creationId xmlns:a16="http://schemas.microsoft.com/office/drawing/2014/main" id="{53CBF074-32D7-4A4C-BEDD-956DB2CB7234}"/>
+              </a:ext>
+            </a:extLst>
+          </p:cNvPr>
+          <p:cNvSpPr txBox="1"/>
+          <p:nvPr/>
+        </p:nvSpPr>
+        <p:spPr>
+          <a:xfrm>
+            <a:off x="6666381" y="5122539"/>
+            <a:ext cx="668667" cy="307777"/>
+          </a:xfrm>
+          <a:prstGeom prst="rect">
+            <a:avLst/>
+          </a:prstGeom>
+          <a:noFill/>
+        </p:spPr>
+        <p:txBody>
+          <a:bodyPr wrap="square" rtlCol="0">
+            <a:spAutoFit/>
+          </a:bodyPr>
+          <a:lstStyle/>
+          <a:p>
+            <a:r>
+              <a:rPr lang="en-IN" sz="1400" dirty="0"/>
+              <a:t>opt=3</a:t>
+            </a:r>
+          </a:p>
+        </p:txBody>
+      </p:sp>
+      <p:sp>
+        <p:nvSpPr>
+          <p:cNvPr id="107" name="TextBox 106">
+            <a:extLst>
+              <a:ext uri="{FF2B5EF4-FFF2-40B4-BE49-F238E27FC236}">
+                <a16:creationId xmlns:a16="http://schemas.microsoft.com/office/drawing/2014/main" id="{C68CB633-6C26-4542-85EF-4BABCAA54A1B}"/>
+              </a:ext>
+            </a:extLst>
+          </p:cNvPr>
+          <p:cNvSpPr txBox="1"/>
+          <p:nvPr/>
+        </p:nvSpPr>
+        <p:spPr>
+          <a:xfrm>
+            <a:off x="3257762" y="2387338"/>
+            <a:ext cx="668667" cy="307777"/>
+          </a:xfrm>
+          <a:prstGeom prst="rect">
+            <a:avLst/>
+          </a:prstGeom>
+          <a:noFill/>
+        </p:spPr>
+        <p:txBody>
+          <a:bodyPr wrap="square" rtlCol="0">
+            <a:spAutoFit/>
+          </a:bodyPr>
+          <a:lstStyle/>
+          <a:p>
+            <a:r>
+              <a:rPr lang="en-IN" sz="1400" dirty="0"/>
+              <a:t>opt=1</a:t>
+            </a:r>
+          </a:p>
+        </p:txBody>
+      </p:sp>
+      <p:sp>
+        <p:nvSpPr>
+          <p:cNvPr id="108" name="TextBox 107">
+            <a:extLst>
+              <a:ext uri="{FF2B5EF4-FFF2-40B4-BE49-F238E27FC236}">
+                <a16:creationId xmlns:a16="http://schemas.microsoft.com/office/drawing/2014/main" id="{88F5F35A-CE65-4946-99CD-8033CE3862BC}"/>
+              </a:ext>
+            </a:extLst>
+          </p:cNvPr>
+          <p:cNvSpPr txBox="1"/>
+          <p:nvPr/>
+        </p:nvSpPr>
+        <p:spPr>
+          <a:xfrm>
+            <a:off x="5012566" y="5138458"/>
+            <a:ext cx="668667" cy="307777"/>
+          </a:xfrm>
+          <a:prstGeom prst="rect">
+            <a:avLst/>
+          </a:prstGeom>
+          <a:noFill/>
+        </p:spPr>
+        <p:txBody>
+          <a:bodyPr wrap="square" rtlCol="0">
+            <a:spAutoFit/>
+          </a:bodyPr>
+          <a:lstStyle/>
+          <a:p>
+            <a:r>
+              <a:rPr lang="en-IN" sz="1400" dirty="0"/>
+              <a:t>opt=2</a:t>
+            </a:r>
+          </a:p>
+        </p:txBody>
+      </p:sp>
+      <p:sp>
+        <p:nvSpPr>
+          <p:cNvPr id="109" name="TextBox 108">
+            <a:extLst>
+              <a:ext uri="{FF2B5EF4-FFF2-40B4-BE49-F238E27FC236}">
+                <a16:creationId xmlns:a16="http://schemas.microsoft.com/office/drawing/2014/main" id="{1B8EFB48-5066-4960-AAC4-763EA5F5DDA1}"/>
+              </a:ext>
+            </a:extLst>
+          </p:cNvPr>
+          <p:cNvSpPr txBox="1"/>
+          <p:nvPr/>
+        </p:nvSpPr>
+        <p:spPr>
+          <a:xfrm>
+            <a:off x="3428387" y="5167040"/>
+            <a:ext cx="668667" cy="307777"/>
+          </a:xfrm>
+          <a:prstGeom prst="rect">
+            <a:avLst/>
+          </a:prstGeom>
+          <a:noFill/>
+        </p:spPr>
+        <p:txBody>
+          <a:bodyPr wrap="square" rtlCol="0">
+            <a:spAutoFit/>
+          </a:bodyPr>
+          <a:lstStyle/>
+          <a:p>
+            <a:r>
+              <a:rPr lang="en-IN" sz="1400" dirty="0"/>
+              <a:t>opt=1</a:t>
+            </a:r>
+          </a:p>
+        </p:txBody>
+      </p:sp>
+      <p:sp>
+        <p:nvSpPr>
+          <p:cNvPr id="110" name="TextBox 109">
+            <a:extLst>
+              <a:ext uri="{FF2B5EF4-FFF2-40B4-BE49-F238E27FC236}">
+                <a16:creationId xmlns:a16="http://schemas.microsoft.com/office/drawing/2014/main" id="{9DD8BDAC-4164-44E0-B981-D3C91410F56F}"/>
+              </a:ext>
+            </a:extLst>
+          </p:cNvPr>
+          <p:cNvSpPr txBox="1"/>
+          <p:nvPr/>
+        </p:nvSpPr>
+        <p:spPr>
+          <a:xfrm>
+            <a:off x="5036391" y="3049750"/>
+            <a:ext cx="644842" cy="307777"/>
+          </a:xfrm>
+          <a:prstGeom prst="rect">
+            <a:avLst/>
+          </a:prstGeom>
+          <a:noFill/>
+        </p:spPr>
+        <p:txBody>
+          <a:bodyPr wrap="square" rtlCol="0">
+            <a:spAutoFit/>
+          </a:bodyPr>
+          <a:lstStyle/>
+          <a:p>
+            <a:r>
+              <a:rPr lang="en-IN" sz="1400" dirty="0"/>
+              <a:t>opt=2</a:t>
+            </a:r>
+          </a:p>
+        </p:txBody>
+      </p:sp>
+      <p:sp>
+        <p:nvSpPr>
+          <p:cNvPr id="111" name="TextBox 110">
+            <a:extLst>
+              <a:ext uri="{FF2B5EF4-FFF2-40B4-BE49-F238E27FC236}">
+                <a16:creationId xmlns:a16="http://schemas.microsoft.com/office/drawing/2014/main" id="{C494B11D-9EAC-4EBF-A600-C25C5ADBCF44}"/>
+              </a:ext>
+            </a:extLst>
+          </p:cNvPr>
+          <p:cNvSpPr txBox="1"/>
+          <p:nvPr/>
+        </p:nvSpPr>
+        <p:spPr>
+          <a:xfrm>
+            <a:off x="6219179" y="2419717"/>
+            <a:ext cx="668667" cy="307777"/>
+          </a:xfrm>
+          <a:prstGeom prst="rect">
+            <a:avLst/>
+          </a:prstGeom>
+          <a:noFill/>
+        </p:spPr>
+        <p:txBody>
+          <a:bodyPr wrap="square" rtlCol="0">
+            <a:spAutoFit/>
+          </a:bodyPr>
+          <a:lstStyle/>
+          <a:p>
+            <a:r>
+              <a:rPr lang="en-IN" sz="1400" dirty="0"/>
+              <a:t>opt=3</a:t>
+            </a:r>
+          </a:p>
+        </p:txBody>
+      </p:sp>
     </p:spTree>
     <p:extLst>
       <p:ext uri="{BB962C8B-B14F-4D97-AF65-F5344CB8AC3E}">
@@ -4057,7 +4215,7 @@
 <file path=ppt/theme/theme1.xml><?xml version="1.0" encoding="utf-8"?>
 <a:theme xmlns:a="http://schemas.openxmlformats.org/drawingml/2006/main" name="Office Theme">
   <a:themeElements>
-    <a:clrScheme name="Office">
+    <a:clrScheme name="Office Theme">
       <a:dk1>
         <a:sysClr val="windowText" lastClr="000000"/>
       </a:dk1>
@@ -4095,7 +4253,7 @@
         <a:srgbClr val="954F72"/>
       </a:folHlink>
     </a:clrScheme>
-    <a:fontScheme name="Office">
+    <a:fontScheme name="Office Theme">
       <a:majorFont>
         <a:latin typeface="Calibri Light" panose="020F0302020204030204"/>
         <a:ea typeface=""/>
@@ -4130,23 +4288,6 @@
         <a:font script="Viet" typeface="Times New Roman"/>
         <a:font script="Uigh" typeface="Microsoft Uighur"/>
         <a:font script="Geor" typeface="Sylfaen"/>
-        <a:font script="Armn" typeface="Arial"/>
-        <a:font script="Bugi" typeface="Leelawadee UI"/>
-        <a:font script="Bopo" typeface="Microsoft JhengHei"/>
-        <a:font script="Java" typeface="Javanese Text"/>
-        <a:font script="Lisu" typeface="Segoe UI"/>
-        <a:font script="Mymr" typeface="Myanmar Text"/>
-        <a:font script="Nkoo" typeface="Ebrima"/>
-        <a:font script="Olck" typeface="Nirmala UI"/>
-        <a:font script="Osma" typeface="Ebrima"/>
-        <a:font script="Phag" typeface="Phagspa"/>
-        <a:font script="Syrn" typeface="Estrangelo Edessa"/>
-        <a:font script="Syrj" typeface="Estrangelo Edessa"/>
-        <a:font script="Syre" typeface="Estrangelo Edessa"/>
-        <a:font script="Sora" typeface="Nirmala UI"/>
-        <a:font script="Tale" typeface="Microsoft Tai Le"/>
-        <a:font script="Talu" typeface="Microsoft New Tai Lue"/>
-        <a:font script="Tfng" typeface="Ebrima"/>
       </a:majorFont>
       <a:minorFont>
         <a:latin typeface="Calibri" panose="020F0502020204030204"/>
@@ -4182,26 +4323,9 @@
         <a:font script="Viet" typeface="Arial"/>
         <a:font script="Uigh" typeface="Microsoft Uighur"/>
         <a:font script="Geor" typeface="Sylfaen"/>
-        <a:font script="Armn" typeface="Arial"/>
-        <a:font script="Bugi" typeface="Leelawadee UI"/>
-        <a:font script="Bopo" typeface="Microsoft JhengHei"/>
-        <a:font script="Java" typeface="Javanese Text"/>
-        <a:font script="Lisu" typeface="Segoe UI"/>
-        <a:font script="Mymr" typeface="Myanmar Text"/>
-        <a:font script="Nkoo" typeface="Ebrima"/>
-        <a:font script="Olck" typeface="Nirmala UI"/>
-        <a:font script="Osma" typeface="Ebrima"/>
-        <a:font script="Phag" typeface="Phagspa"/>
-        <a:font script="Syrn" typeface="Estrangelo Edessa"/>
-        <a:font script="Syrj" typeface="Estrangelo Edessa"/>
-        <a:font script="Syre" typeface="Estrangelo Edessa"/>
-        <a:font script="Sora" typeface="Nirmala UI"/>
-        <a:font script="Tale" typeface="Microsoft Tai Le"/>
-        <a:font script="Talu" typeface="Microsoft New Tai Lue"/>
-        <a:font script="Tfng" typeface="Ebrima"/>
       </a:minorFont>
     </a:fontScheme>
-    <a:fmtScheme name="Office">
+    <a:fmtScheme name="Office Theme">
       <a:fillStyleLst>
         <a:solidFill>
           <a:schemeClr val="phClr"/>

--- a/flow-chart.pptx
+++ b/flow-chart.pptx
@@ -3055,7 +3055,7 @@
             <a:pPr algn="ctr"/>
             <a:r>
               <a:rPr lang="en-IN" sz="1950" dirty="0"/>
-              <a:t>Retrieve file names in ASC order</a:t>
+              <a:t>Display file names in ASC order</a:t>
             </a:r>
           </a:p>
         </p:txBody>

--- a/flow-chart.pptx
+++ b/flow-chart.pptx
@@ -243,7 +243,7 @@
           <a:p>
             <a:fld id="{5E867397-7C0A-45C7-8969-E76EFE3E04AC}" type="datetimeFigureOut">
               <a:rPr lang="en-IN" smtClean="0"/>
-              <a:t>25-03-2022</a:t>
+              <a:t>06-04-2022</a:t>
             </a:fld>
             <a:endParaRPr lang="en-IN"/>
           </a:p>
@@ -413,7 +413,7 @@
           <a:p>
             <a:fld id="{5E867397-7C0A-45C7-8969-E76EFE3E04AC}" type="datetimeFigureOut">
               <a:rPr lang="en-IN" smtClean="0"/>
-              <a:t>25-03-2022</a:t>
+              <a:t>06-04-2022</a:t>
             </a:fld>
             <a:endParaRPr lang="en-IN"/>
           </a:p>
@@ -593,7 +593,7 @@
           <a:p>
             <a:fld id="{5E867397-7C0A-45C7-8969-E76EFE3E04AC}" type="datetimeFigureOut">
               <a:rPr lang="en-IN" smtClean="0"/>
-              <a:t>25-03-2022</a:t>
+              <a:t>06-04-2022</a:t>
             </a:fld>
             <a:endParaRPr lang="en-IN"/>
           </a:p>
@@ -763,7 +763,7 @@
           <a:p>
             <a:fld id="{5E867397-7C0A-45C7-8969-E76EFE3E04AC}" type="datetimeFigureOut">
               <a:rPr lang="en-IN" smtClean="0"/>
-              <a:t>25-03-2022</a:t>
+              <a:t>06-04-2022</a:t>
             </a:fld>
             <a:endParaRPr lang="en-IN"/>
           </a:p>
@@ -1007,7 +1007,7 @@
           <a:p>
             <a:fld id="{5E867397-7C0A-45C7-8969-E76EFE3E04AC}" type="datetimeFigureOut">
               <a:rPr lang="en-IN" smtClean="0"/>
-              <a:t>25-03-2022</a:t>
+              <a:t>06-04-2022</a:t>
             </a:fld>
             <a:endParaRPr lang="en-IN"/>
           </a:p>
@@ -1239,7 +1239,7 @@
           <a:p>
             <a:fld id="{5E867397-7C0A-45C7-8969-E76EFE3E04AC}" type="datetimeFigureOut">
               <a:rPr lang="en-IN" smtClean="0"/>
-              <a:t>25-03-2022</a:t>
+              <a:t>06-04-2022</a:t>
             </a:fld>
             <a:endParaRPr lang="en-IN"/>
           </a:p>
@@ -1606,7 +1606,7 @@
           <a:p>
             <a:fld id="{5E867397-7C0A-45C7-8969-E76EFE3E04AC}" type="datetimeFigureOut">
               <a:rPr lang="en-IN" smtClean="0"/>
-              <a:t>25-03-2022</a:t>
+              <a:t>06-04-2022</a:t>
             </a:fld>
             <a:endParaRPr lang="en-IN"/>
           </a:p>
@@ -1724,7 +1724,7 @@
           <a:p>
             <a:fld id="{5E867397-7C0A-45C7-8969-E76EFE3E04AC}" type="datetimeFigureOut">
               <a:rPr lang="en-IN" smtClean="0"/>
-              <a:t>25-03-2022</a:t>
+              <a:t>06-04-2022</a:t>
             </a:fld>
             <a:endParaRPr lang="en-IN"/>
           </a:p>
@@ -1819,7 +1819,7 @@
           <a:p>
             <a:fld id="{5E867397-7C0A-45C7-8969-E76EFE3E04AC}" type="datetimeFigureOut">
               <a:rPr lang="en-IN" smtClean="0"/>
-              <a:t>25-03-2022</a:t>
+              <a:t>06-04-2022</a:t>
             </a:fld>
             <a:endParaRPr lang="en-IN"/>
           </a:p>
@@ -2096,7 +2096,7 @@
           <a:p>
             <a:fld id="{5E867397-7C0A-45C7-8969-E76EFE3E04AC}" type="datetimeFigureOut">
               <a:rPr lang="en-IN" smtClean="0"/>
-              <a:t>25-03-2022</a:t>
+              <a:t>06-04-2022</a:t>
             </a:fld>
             <a:endParaRPr lang="en-IN"/>
           </a:p>
@@ -2353,7 +2353,7 @@
           <a:p>
             <a:fld id="{5E867397-7C0A-45C7-8969-E76EFE3E04AC}" type="datetimeFigureOut">
               <a:rPr lang="en-IN" smtClean="0"/>
-              <a:t>25-03-2022</a:t>
+              <a:t>06-04-2022</a:t>
             </a:fld>
             <a:endParaRPr lang="en-IN"/>
           </a:p>
@@ -2566,7 +2566,7 @@
           <a:p>
             <a:fld id="{5E867397-7C0A-45C7-8969-E76EFE3E04AC}" type="datetimeFigureOut">
               <a:rPr lang="en-IN" smtClean="0"/>
-              <a:t>25-03-2022</a:t>
+              <a:t>06-04-2022</a:t>
             </a:fld>
             <a:endParaRPr lang="en-IN"/>
           </a:p>
@@ -3694,7 +3694,7 @@
         </p:nvSpPr>
         <p:spPr>
           <a:xfrm>
-            <a:off x="4416285" y="6228270"/>
+            <a:off x="7155142" y="2508303"/>
             <a:ext cx="1298713" cy="416961"/>
           </a:xfrm>
           <a:prstGeom prst="roundRect">
@@ -3729,94 +3729,6 @@
           </a:p>
         </p:txBody>
       </p:sp>
-      <p:cxnSp>
-        <p:nvCxnSpPr>
-          <p:cNvPr id="69" name="Straight Arrow Connector 68">
-            <a:extLst>
-              <a:ext uri="{FF2B5EF4-FFF2-40B4-BE49-F238E27FC236}">
-                <a16:creationId xmlns:a16="http://schemas.microsoft.com/office/drawing/2014/main" id="{FB001541-9AC2-4F06-88DB-1EC0AA8B0D56}"/>
-              </a:ext>
-            </a:extLst>
-          </p:cNvPr>
-          <p:cNvCxnSpPr>
-            <a:cxnSpLocks/>
-            <a:stCxn id="30" idx="2"/>
-            <a:endCxn id="66" idx="0"/>
-          </p:cNvCxnSpPr>
-          <p:nvPr/>
-        </p:nvCxnSpPr>
-        <p:spPr>
-          <a:xfrm>
-            <a:off x="5065642" y="5841489"/>
-            <a:ext cx="0" cy="386781"/>
-          </a:xfrm>
-          <a:prstGeom prst="straightConnector1">
-            <a:avLst/>
-          </a:prstGeom>
-          <a:ln>
-            <a:tailEnd type="triangle"/>
-          </a:ln>
-        </p:spPr>
-        <p:style>
-          <a:lnRef idx="1">
-            <a:schemeClr val="accent1"/>
-          </a:lnRef>
-          <a:fillRef idx="0">
-            <a:schemeClr val="accent1"/>
-          </a:fillRef>
-          <a:effectRef idx="0">
-            <a:schemeClr val="accent1"/>
-          </a:effectRef>
-          <a:fontRef idx="minor">
-            <a:schemeClr val="tx1"/>
-          </a:fontRef>
-        </p:style>
-      </p:cxnSp>
-      <p:cxnSp>
-        <p:nvCxnSpPr>
-          <p:cNvPr id="71" name="Connector: Elbow 70">
-            <a:extLst>
-              <a:ext uri="{FF2B5EF4-FFF2-40B4-BE49-F238E27FC236}">
-                <a16:creationId xmlns:a16="http://schemas.microsoft.com/office/drawing/2014/main" id="{966DA657-90EC-4AE4-A812-E11A76253808}"/>
-              </a:ext>
-            </a:extLst>
-          </p:cNvPr>
-          <p:cNvCxnSpPr>
-            <a:cxnSpLocks/>
-            <a:stCxn id="8" idx="3"/>
-            <a:endCxn id="66" idx="3"/>
-          </p:cNvCxnSpPr>
-          <p:nvPr/>
-        </p:nvCxnSpPr>
-        <p:spPr>
-          <a:xfrm flipH="1">
-            <a:off x="5714998" y="2709738"/>
-            <a:ext cx="356155" cy="3727013"/>
-          </a:xfrm>
-          <a:prstGeom prst="bentConnector3">
-            <a:avLst>
-              <a:gd name="adj1" fmla="val -473485"/>
-            </a:avLst>
-          </a:prstGeom>
-          <a:ln>
-            <a:tailEnd type="triangle"/>
-          </a:ln>
-        </p:spPr>
-        <p:style>
-          <a:lnRef idx="1">
-            <a:schemeClr val="accent1"/>
-          </a:lnRef>
-          <a:fillRef idx="0">
-            <a:schemeClr val="accent1"/>
-          </a:fillRef>
-          <a:effectRef idx="0">
-            <a:schemeClr val="accent1"/>
-          </a:effectRef>
-          <a:fontRef idx="minor">
-            <a:schemeClr val="tx1"/>
-          </a:fontRef>
-        </p:style>
-      </p:cxnSp>
       <p:cxnSp>
         <p:nvCxnSpPr>
           <p:cNvPr id="74" name="Connector: Elbow 73">
@@ -3903,50 +3815,6 @@
       </p:cxnSp>
       <p:cxnSp>
         <p:nvCxnSpPr>
-          <p:cNvPr id="102" name="Connector: Elbow 101">
-            <a:extLst>
-              <a:ext uri="{FF2B5EF4-FFF2-40B4-BE49-F238E27FC236}">
-                <a16:creationId xmlns:a16="http://schemas.microsoft.com/office/drawing/2014/main" id="{7E182CC2-4E5E-445B-B05A-CAE7AC4D2044}"/>
-              </a:ext>
-            </a:extLst>
-          </p:cNvPr>
-          <p:cNvCxnSpPr>
-            <a:stCxn id="23" idx="1"/>
-            <a:endCxn id="18" idx="5"/>
-          </p:cNvCxnSpPr>
-          <p:nvPr/>
-        </p:nvCxnSpPr>
-        <p:spPr>
-          <a:xfrm rot="10800000" flipH="1">
-            <a:off x="3858593" y="1797451"/>
-            <a:ext cx="223017" cy="2803734"/>
-          </a:xfrm>
-          <a:prstGeom prst="bentConnector3">
-            <a:avLst>
-              <a:gd name="adj1" fmla="val -1403850"/>
-            </a:avLst>
-          </a:prstGeom>
-          <a:ln>
-            <a:tailEnd type="triangle"/>
-          </a:ln>
-        </p:spPr>
-        <p:style>
-          <a:lnRef idx="1">
-            <a:schemeClr val="accent1"/>
-          </a:lnRef>
-          <a:fillRef idx="0">
-            <a:schemeClr val="accent1"/>
-          </a:fillRef>
-          <a:effectRef idx="0">
-            <a:schemeClr val="accent1"/>
-          </a:effectRef>
-          <a:fontRef idx="minor">
-            <a:schemeClr val="tx1"/>
-          </a:fontRef>
-        </p:style>
-      </p:cxnSp>
-      <p:cxnSp>
-        <p:nvCxnSpPr>
           <p:cNvPr id="105" name="Straight Arrow Connector 104">
             <a:extLst>
               <a:ext uri="{FF2B5EF4-FFF2-40B4-BE49-F238E27FC236}">
@@ -4199,6 +4067,133 @@
           </a:p>
         </p:txBody>
       </p:sp>
+      <p:cxnSp>
+        <p:nvCxnSpPr>
+          <p:cNvPr id="14" name="Straight Arrow Connector 13">
+            <a:extLst>
+              <a:ext uri="{FF2B5EF4-FFF2-40B4-BE49-F238E27FC236}">
+                <a16:creationId xmlns:a16="http://schemas.microsoft.com/office/drawing/2014/main" id="{00310D26-AE02-458E-A5C3-2CE5088EFB5B}"/>
+              </a:ext>
+            </a:extLst>
+          </p:cNvPr>
+          <p:cNvCxnSpPr>
+            <a:stCxn id="8" idx="3"/>
+            <a:endCxn id="66" idx="1"/>
+          </p:cNvCxnSpPr>
+          <p:nvPr/>
+        </p:nvCxnSpPr>
+        <p:spPr>
+          <a:xfrm>
+            <a:off x="6071153" y="2709738"/>
+            <a:ext cx="1083989" cy="7046"/>
+          </a:xfrm>
+          <a:prstGeom prst="straightConnector1">
+            <a:avLst/>
+          </a:prstGeom>
+          <a:ln>
+            <a:tailEnd type="triangle"/>
+          </a:ln>
+        </p:spPr>
+        <p:style>
+          <a:lnRef idx="1">
+            <a:schemeClr val="accent1"/>
+          </a:lnRef>
+          <a:fillRef idx="0">
+            <a:schemeClr val="accent1"/>
+          </a:fillRef>
+          <a:effectRef idx="0">
+            <a:schemeClr val="accent1"/>
+          </a:effectRef>
+          <a:fontRef idx="minor">
+            <a:schemeClr val="tx1"/>
+          </a:fontRef>
+        </p:style>
+      </p:cxnSp>
+      <p:cxnSp>
+        <p:nvCxnSpPr>
+          <p:cNvPr id="19" name="Connector: Elbow 18">
+            <a:extLst>
+              <a:ext uri="{FF2B5EF4-FFF2-40B4-BE49-F238E27FC236}">
+                <a16:creationId xmlns:a16="http://schemas.microsoft.com/office/drawing/2014/main" id="{134BB7CA-456E-4299-A174-94AF941C505C}"/>
+              </a:ext>
+            </a:extLst>
+          </p:cNvPr>
+          <p:cNvCxnSpPr>
+            <a:cxnSpLocks/>
+          </p:cNvCxnSpPr>
+          <p:nvPr/>
+        </p:nvCxnSpPr>
+        <p:spPr>
+          <a:xfrm rot="5400000" flipH="1">
+            <a:off x="2551607" y="3327454"/>
+            <a:ext cx="4044038" cy="984031"/>
+          </a:xfrm>
+          <a:prstGeom prst="bentConnector4">
+            <a:avLst>
+              <a:gd name="adj1" fmla="val -17122"/>
+              <a:gd name="adj2" fmla="val 438246"/>
+            </a:avLst>
+          </a:prstGeom>
+          <a:ln>
+            <a:tailEnd type="triangle"/>
+          </a:ln>
+        </p:spPr>
+        <p:style>
+          <a:lnRef idx="1">
+            <a:schemeClr val="accent1"/>
+          </a:lnRef>
+          <a:fillRef idx="0">
+            <a:schemeClr val="accent1"/>
+          </a:fillRef>
+          <a:effectRef idx="0">
+            <a:schemeClr val="accent1"/>
+          </a:effectRef>
+          <a:fontRef idx="minor">
+            <a:schemeClr val="tx1"/>
+          </a:fontRef>
+        </p:style>
+      </p:cxnSp>
+      <p:cxnSp>
+        <p:nvCxnSpPr>
+          <p:cNvPr id="27" name="Straight Arrow Connector 26">
+            <a:extLst>
+              <a:ext uri="{FF2B5EF4-FFF2-40B4-BE49-F238E27FC236}">
+                <a16:creationId xmlns:a16="http://schemas.microsoft.com/office/drawing/2014/main" id="{856DB839-DDF1-4084-91B0-FF915475A283}"/>
+              </a:ext>
+            </a:extLst>
+          </p:cNvPr>
+          <p:cNvCxnSpPr>
+            <a:stCxn id="9" idx="0"/>
+          </p:cNvCxnSpPr>
+          <p:nvPr/>
+        </p:nvCxnSpPr>
+        <p:spPr>
+          <a:xfrm flipV="1">
+            <a:off x="2160627" y="1814434"/>
+            <a:ext cx="0" cy="470937"/>
+          </a:xfrm>
+          <a:prstGeom prst="straightConnector1">
+            <a:avLst/>
+          </a:prstGeom>
+          <a:ln>
+            <a:tailEnd type="triangle"/>
+          </a:ln>
+        </p:spPr>
+        <p:style>
+          <a:lnRef idx="1">
+            <a:schemeClr val="accent1"/>
+          </a:lnRef>
+          <a:fillRef idx="0">
+            <a:schemeClr val="accent1"/>
+          </a:fillRef>
+          <a:effectRef idx="0">
+            <a:schemeClr val="accent1"/>
+          </a:effectRef>
+          <a:fontRef idx="minor">
+            <a:schemeClr val="tx1"/>
+          </a:fontRef>
+        </p:style>
+      </p:cxnSp>
     </p:spTree>
     <p:extLst>
       <p:ext uri="{BB962C8B-B14F-4D97-AF65-F5344CB8AC3E}">
